--- a/artifacts/arch/Architecture_Flowdiagram.pptx
+++ b/artifacts/arch/Architecture_Flowdiagram.pptx
@@ -7,6 +7,9 @@
   <p:sldIdLst>
     <p:sldId id="256" r:id="rId2"/>
     <p:sldId id="257" r:id="rId3"/>
+    <p:sldId id="258" r:id="rId4"/>
+    <p:sldId id="259" r:id="rId5"/>
+    <p:sldId id="260" r:id="rId6"/>
   </p:sldIdLst>
   <p:sldSz cx="12192000" cy="6858000"/>
   <p:notesSz cx="6858000" cy="9144000"/>
@@ -105,13 +108,18 @@
       </a:defRPr>
     </a:lvl9pPr>
   </p:defaultTextStyle>
+  <p:extLst>
+    <p:ext uri="{EFAFB233-063F-42B5-8137-9DF3F51BA10A}">
+      <p15:sldGuideLst xmlns:p15="http://schemas.microsoft.com/office/powerpoint/2012/main"/>
+    </p:ext>
+  </p:extLst>
 </p:presentation>
 </file>
 
 <file path=ppt/revisionInfo.xml><?xml version="1.0" encoding="utf-8"?>
 <p1510:revInfo xmlns:a="http://schemas.openxmlformats.org/drawingml/2006/main" xmlns:r="http://schemas.openxmlformats.org/officeDocument/2006/relationships" xmlns:p1510="http://schemas.microsoft.com/office/powerpoint/2015/10/main">
   <p1510:revLst>
-    <p1510:client id="{25DFA760-A2D1-404A-AD35-60413B8C14C7}" v="2" dt="2025-03-26T14:38:13.086"/>
+    <p1510:client id="{25DFA760-A2D1-404A-AD35-60413B8C14C7}" v="26" dt="2025-03-26T19:11:54.252"/>
   </p1510:revLst>
 </p1510:revInfo>
 </file>
@@ -120,8 +128,8 @@
 <pc:chgInfo xmlns:a="http://schemas.openxmlformats.org/drawingml/2006/main" xmlns:r="http://schemas.openxmlformats.org/officeDocument/2006/relationships" xmlns:ac="http://schemas.microsoft.com/office/drawing/2013/main/command" xmlns:pc="http://schemas.microsoft.com/office/powerpoint/2013/main/command">
   <pc:docChgLst>
     <pc:chgData name="shravankumar mudrebettu" userId="56e404a613cbb6a9" providerId="LiveId" clId="{25DFA760-A2D1-404A-AD35-60413B8C14C7}"/>
-    <pc:docChg chg="custSel addSld modSld">
-      <pc:chgData name="shravankumar mudrebettu" userId="56e404a613cbb6a9" providerId="LiveId" clId="{25DFA760-A2D1-404A-AD35-60413B8C14C7}" dt="2025-03-26T14:39:42.863" v="31" actId="478"/>
+    <pc:docChg chg="undo custSel addSld delSld modSld">
+      <pc:chgData name="shravankumar mudrebettu" userId="56e404a613cbb6a9" providerId="LiveId" clId="{25DFA760-A2D1-404A-AD35-60413B8C14C7}" dt="2025-03-26T19:16:41.482" v="1866" actId="20577"/>
       <pc:docMkLst>
         <pc:docMk/>
       </pc:docMkLst>
@@ -148,14 +156,14 @@
           </ac:spMkLst>
         </pc:spChg>
       </pc:sldChg>
-      <pc:sldChg chg="delSp modSp new mod">
-        <pc:chgData name="shravankumar mudrebettu" userId="56e404a613cbb6a9" providerId="LiveId" clId="{25DFA760-A2D1-404A-AD35-60413B8C14C7}" dt="2025-03-26T14:39:42.863" v="31" actId="478"/>
+      <pc:sldChg chg="addSp delSp modSp new mod">
+        <pc:chgData name="shravankumar mudrebettu" userId="56e404a613cbb6a9" providerId="LiveId" clId="{25DFA760-A2D1-404A-AD35-60413B8C14C7}" dt="2025-03-26T19:04:17.717" v="731" actId="255"/>
         <pc:sldMkLst>
           <pc:docMk/>
           <pc:sldMk cId="4003874609" sldId="257"/>
         </pc:sldMkLst>
         <pc:spChg chg="mod">
-          <ac:chgData name="shravankumar mudrebettu" userId="56e404a613cbb6a9" providerId="LiveId" clId="{25DFA760-A2D1-404A-AD35-60413B8C14C7}" dt="2025-03-26T14:39:38.415" v="30" actId="20577"/>
+          <ac:chgData name="shravankumar mudrebettu" userId="56e404a613cbb6a9" providerId="LiveId" clId="{25DFA760-A2D1-404A-AD35-60413B8C14C7}" dt="2025-03-26T18:52:19.991" v="332" actId="255"/>
           <ac:spMkLst>
             <pc:docMk/>
             <pc:sldMk cId="4003874609" sldId="257"/>
@@ -170,6 +178,417 @@
             <ac:spMk id="3" creationId="{16B4CB31-9C8B-BD02-F9CC-40747D94CCE6}"/>
           </ac:spMkLst>
         </pc:spChg>
+        <pc:spChg chg="add mod">
+          <ac:chgData name="shravankumar mudrebettu" userId="56e404a613cbb6a9" providerId="LiveId" clId="{25DFA760-A2D1-404A-AD35-60413B8C14C7}" dt="2025-03-26T18:52:00.139" v="330" actId="164"/>
+          <ac:spMkLst>
+            <pc:docMk/>
+            <pc:sldMk cId="4003874609" sldId="257"/>
+            <ac:spMk id="3" creationId="{85D07FDC-A813-6432-0529-40BE6EEE9BD3}"/>
+          </ac:spMkLst>
+        </pc:spChg>
+        <pc:spChg chg="add mod">
+          <ac:chgData name="shravankumar mudrebettu" userId="56e404a613cbb6a9" providerId="LiveId" clId="{25DFA760-A2D1-404A-AD35-60413B8C14C7}" dt="2025-03-26T18:52:00.139" v="330" actId="164"/>
+          <ac:spMkLst>
+            <pc:docMk/>
+            <pc:sldMk cId="4003874609" sldId="257"/>
+            <ac:spMk id="4" creationId="{04971351-A03D-7D47-F39D-3DD2748D1C06}"/>
+          </ac:spMkLst>
+        </pc:spChg>
+        <pc:spChg chg="add mod">
+          <ac:chgData name="shravankumar mudrebettu" userId="56e404a613cbb6a9" providerId="LiveId" clId="{25DFA760-A2D1-404A-AD35-60413B8C14C7}" dt="2025-03-26T18:52:00.139" v="330" actId="164"/>
+          <ac:spMkLst>
+            <pc:docMk/>
+            <pc:sldMk cId="4003874609" sldId="257"/>
+            <ac:spMk id="5" creationId="{17188E39-D8CF-2DD3-B6AC-34922455F417}"/>
+          </ac:spMkLst>
+        </pc:spChg>
+        <pc:spChg chg="add mod">
+          <ac:chgData name="shravankumar mudrebettu" userId="56e404a613cbb6a9" providerId="LiveId" clId="{25DFA760-A2D1-404A-AD35-60413B8C14C7}" dt="2025-03-26T18:52:00.139" v="330" actId="164"/>
+          <ac:spMkLst>
+            <pc:docMk/>
+            <pc:sldMk cId="4003874609" sldId="257"/>
+            <ac:spMk id="6" creationId="{2D1E59F1-E075-8049-83C4-DFF8F0616623}"/>
+          </ac:spMkLst>
+        </pc:spChg>
+        <pc:spChg chg="add mod">
+          <ac:chgData name="shravankumar mudrebettu" userId="56e404a613cbb6a9" providerId="LiveId" clId="{25DFA760-A2D1-404A-AD35-60413B8C14C7}" dt="2025-03-26T18:52:00.139" v="330" actId="164"/>
+          <ac:spMkLst>
+            <pc:docMk/>
+            <pc:sldMk cId="4003874609" sldId="257"/>
+            <ac:spMk id="7" creationId="{8D464A02-B82B-82F7-93D5-3C053FAC8B9C}"/>
+          </ac:spMkLst>
+        </pc:spChg>
+        <pc:spChg chg="add mod ord">
+          <ac:chgData name="shravankumar mudrebettu" userId="56e404a613cbb6a9" providerId="LiveId" clId="{25DFA760-A2D1-404A-AD35-60413B8C14C7}" dt="2025-03-26T18:52:00.139" v="330" actId="164"/>
+          <ac:spMkLst>
+            <pc:docMk/>
+            <pc:sldMk cId="4003874609" sldId="257"/>
+            <ac:spMk id="8" creationId="{7C6B01AF-EC9D-82A8-4DCF-E2891BAB28DE}"/>
+          </ac:spMkLst>
+        </pc:spChg>
+        <pc:spChg chg="add mod">
+          <ac:chgData name="shravankumar mudrebettu" userId="56e404a613cbb6a9" providerId="LiveId" clId="{25DFA760-A2D1-404A-AD35-60413B8C14C7}" dt="2025-03-26T18:52:00.139" v="330" actId="164"/>
+          <ac:spMkLst>
+            <pc:docMk/>
+            <pc:sldMk cId="4003874609" sldId="257"/>
+            <ac:spMk id="9" creationId="{AB0E13A6-1E82-1BF6-C6B7-EA318A4B2203}"/>
+          </ac:spMkLst>
+        </pc:spChg>
+        <pc:spChg chg="add mod">
+          <ac:chgData name="shravankumar mudrebettu" userId="56e404a613cbb6a9" providerId="LiveId" clId="{25DFA760-A2D1-404A-AD35-60413B8C14C7}" dt="2025-03-26T18:52:00.139" v="330" actId="164"/>
+          <ac:spMkLst>
+            <pc:docMk/>
+            <pc:sldMk cId="4003874609" sldId="257"/>
+            <ac:spMk id="10" creationId="{BE350B38-5EF8-F43D-1E8A-6060BE4060B3}"/>
+          </ac:spMkLst>
+        </pc:spChg>
+        <pc:spChg chg="add mod">
+          <ac:chgData name="shravankumar mudrebettu" userId="56e404a613cbb6a9" providerId="LiveId" clId="{25DFA760-A2D1-404A-AD35-60413B8C14C7}" dt="2025-03-26T19:02:21.143" v="656" actId="1076"/>
+          <ac:spMkLst>
+            <pc:docMk/>
+            <pc:sldMk cId="4003874609" sldId="257"/>
+            <ac:spMk id="13" creationId="{6FD2E7F0-42C8-D12A-86F5-D6D52780395D}"/>
+          </ac:spMkLst>
+        </pc:spChg>
+        <pc:spChg chg="add mod">
+          <ac:chgData name="shravankumar mudrebettu" userId="56e404a613cbb6a9" providerId="LiveId" clId="{25DFA760-A2D1-404A-AD35-60413B8C14C7}" dt="2025-03-26T19:02:56.492" v="657" actId="164"/>
+          <ac:spMkLst>
+            <pc:docMk/>
+            <pc:sldMk cId="4003874609" sldId="257"/>
+            <ac:spMk id="19" creationId="{AD334FFB-FBBB-000C-E0A0-FF3B7895CFC1}"/>
+          </ac:spMkLst>
+        </pc:spChg>
+        <pc:spChg chg="add mod">
+          <ac:chgData name="shravankumar mudrebettu" userId="56e404a613cbb6a9" providerId="LiveId" clId="{25DFA760-A2D1-404A-AD35-60413B8C14C7}" dt="2025-03-26T19:02:56.492" v="657" actId="164"/>
+          <ac:spMkLst>
+            <pc:docMk/>
+            <pc:sldMk cId="4003874609" sldId="257"/>
+            <ac:spMk id="20" creationId="{E306B6B5-3756-EF2F-D6DD-4E66127C07BD}"/>
+          </ac:spMkLst>
+        </pc:spChg>
+        <pc:spChg chg="add mod">
+          <ac:chgData name="shravankumar mudrebettu" userId="56e404a613cbb6a9" providerId="LiveId" clId="{25DFA760-A2D1-404A-AD35-60413B8C14C7}" dt="2025-03-26T19:02:56.492" v="657" actId="164"/>
+          <ac:spMkLst>
+            <pc:docMk/>
+            <pc:sldMk cId="4003874609" sldId="257"/>
+            <ac:spMk id="21" creationId="{64620E51-0311-CBE9-F1AF-23C6C1D34F40}"/>
+          </ac:spMkLst>
+        </pc:spChg>
+        <pc:spChg chg="add mod">
+          <ac:chgData name="shravankumar mudrebettu" userId="56e404a613cbb6a9" providerId="LiveId" clId="{25DFA760-A2D1-404A-AD35-60413B8C14C7}" dt="2025-03-26T19:02:56.492" v="657" actId="164"/>
+          <ac:spMkLst>
+            <pc:docMk/>
+            <pc:sldMk cId="4003874609" sldId="257"/>
+            <ac:spMk id="22" creationId="{5C643CBA-4D3B-F02B-C6AA-9F8A4EAE9DCD}"/>
+          </ac:spMkLst>
+        </pc:spChg>
+        <pc:spChg chg="add mod">
+          <ac:chgData name="shravankumar mudrebettu" userId="56e404a613cbb6a9" providerId="LiveId" clId="{25DFA760-A2D1-404A-AD35-60413B8C14C7}" dt="2025-03-26T19:02:56.492" v="657" actId="164"/>
+          <ac:spMkLst>
+            <pc:docMk/>
+            <pc:sldMk cId="4003874609" sldId="257"/>
+            <ac:spMk id="23" creationId="{2312DC10-BA7A-6CDE-96D1-34352B78CD59}"/>
+          </ac:spMkLst>
+        </pc:spChg>
+        <pc:spChg chg="add mod">
+          <ac:chgData name="shravankumar mudrebettu" userId="56e404a613cbb6a9" providerId="LiveId" clId="{25DFA760-A2D1-404A-AD35-60413B8C14C7}" dt="2025-03-26T19:02:56.492" v="657" actId="164"/>
+          <ac:spMkLst>
+            <pc:docMk/>
+            <pc:sldMk cId="4003874609" sldId="257"/>
+            <ac:spMk id="24" creationId="{4B7BB38A-BB32-123B-C39A-417E05FD88C9}"/>
+          </ac:spMkLst>
+        </pc:spChg>
+        <pc:spChg chg="add mod">
+          <ac:chgData name="shravankumar mudrebettu" userId="56e404a613cbb6a9" providerId="LiveId" clId="{25DFA760-A2D1-404A-AD35-60413B8C14C7}" dt="2025-03-26T19:02:56.492" v="657" actId="164"/>
+          <ac:spMkLst>
+            <pc:docMk/>
+            <pc:sldMk cId="4003874609" sldId="257"/>
+            <ac:spMk id="31" creationId="{23C87B0F-2F12-77E7-03E6-30687CD50E90}"/>
+          </ac:spMkLst>
+        </pc:spChg>
+        <pc:spChg chg="add mod">
+          <ac:chgData name="shravankumar mudrebettu" userId="56e404a613cbb6a9" providerId="LiveId" clId="{25DFA760-A2D1-404A-AD35-60413B8C14C7}" dt="2025-03-26T19:02:56.492" v="657" actId="164"/>
+          <ac:spMkLst>
+            <pc:docMk/>
+            <pc:sldMk cId="4003874609" sldId="257"/>
+            <ac:spMk id="34" creationId="{520EBDF6-08BD-D8B8-963D-82F1913986FA}"/>
+          </ac:spMkLst>
+        </pc:spChg>
+        <pc:spChg chg="add mod">
+          <ac:chgData name="shravankumar mudrebettu" userId="56e404a613cbb6a9" providerId="LiveId" clId="{25DFA760-A2D1-404A-AD35-60413B8C14C7}" dt="2025-03-26T19:04:17.717" v="731" actId="255"/>
+          <ac:spMkLst>
+            <pc:docMk/>
+            <pc:sldMk cId="4003874609" sldId="257"/>
+            <ac:spMk id="41" creationId="{3946B13A-5A6D-1488-5F29-4BA9EE6E31FA}"/>
+          </ac:spMkLst>
+        </pc:spChg>
+        <pc:grpChg chg="add mod">
+          <ac:chgData name="shravankumar mudrebettu" userId="56e404a613cbb6a9" providerId="LiveId" clId="{25DFA760-A2D1-404A-AD35-60413B8C14C7}" dt="2025-03-26T18:52:01.777" v="331" actId="1076"/>
+          <ac:grpSpMkLst>
+            <pc:docMk/>
+            <pc:sldMk cId="4003874609" sldId="257"/>
+            <ac:grpSpMk id="11" creationId="{E4D62806-4F1F-753A-78F0-58685EB7A5E5}"/>
+          </ac:grpSpMkLst>
+        </pc:grpChg>
+        <pc:grpChg chg="add mod">
+          <ac:chgData name="shravankumar mudrebettu" userId="56e404a613cbb6a9" providerId="LiveId" clId="{25DFA760-A2D1-404A-AD35-60413B8C14C7}" dt="2025-03-26T19:03:04.641" v="662" actId="1036"/>
+          <ac:grpSpMkLst>
+            <pc:docMk/>
+            <pc:sldMk cId="4003874609" sldId="257"/>
+            <ac:grpSpMk id="40" creationId="{12FF2DF9-086A-3740-55C1-79C51F5919FD}"/>
+          </ac:grpSpMkLst>
+        </pc:grpChg>
+        <pc:cxnChg chg="add">
+          <ac:chgData name="shravankumar mudrebettu" userId="56e404a613cbb6a9" providerId="LiveId" clId="{25DFA760-A2D1-404A-AD35-60413B8C14C7}" dt="2025-03-26T14:56:18.432" v="123" actId="11529"/>
+          <ac:cxnSpMkLst>
+            <pc:docMk/>
+            <pc:sldMk cId="4003874609" sldId="257"/>
+            <ac:cxnSpMk id="12" creationId="{DAAA8171-D536-9AF3-F1B3-3BC3C4259A37}"/>
+          </ac:cxnSpMkLst>
+        </pc:cxnChg>
+        <pc:cxnChg chg="add mod">
+          <ac:chgData name="shravankumar mudrebettu" userId="56e404a613cbb6a9" providerId="LiveId" clId="{25DFA760-A2D1-404A-AD35-60413B8C14C7}" dt="2025-03-26T14:56:30.905" v="130" actId="1038"/>
+          <ac:cxnSpMkLst>
+            <pc:docMk/>
+            <pc:sldMk cId="4003874609" sldId="257"/>
+            <ac:cxnSpMk id="14" creationId="{7DE6E629-58DB-0B61-8BE0-AFF8AA5E67B5}"/>
+          </ac:cxnSpMkLst>
+        </pc:cxnChg>
+        <pc:cxnChg chg="add mod">
+          <ac:chgData name="shravankumar mudrebettu" userId="56e404a613cbb6a9" providerId="LiveId" clId="{25DFA760-A2D1-404A-AD35-60413B8C14C7}" dt="2025-03-26T18:52:00.139" v="330" actId="164"/>
+          <ac:cxnSpMkLst>
+            <pc:docMk/>
+            <pc:sldMk cId="4003874609" sldId="257"/>
+            <ac:cxnSpMk id="16" creationId="{C4198E21-0231-AF4E-9258-25A0606D504C}"/>
+          </ac:cxnSpMkLst>
+        </pc:cxnChg>
+        <pc:cxnChg chg="add mod">
+          <ac:chgData name="shravankumar mudrebettu" userId="56e404a613cbb6a9" providerId="LiveId" clId="{25DFA760-A2D1-404A-AD35-60413B8C14C7}" dt="2025-03-26T18:54:19.676" v="440" actId="692"/>
+          <ac:cxnSpMkLst>
+            <pc:docMk/>
+            <pc:sldMk cId="4003874609" sldId="257"/>
+            <ac:cxnSpMk id="17" creationId="{3D001580-9EDB-D1F9-161B-A8DA9514DCEC}"/>
+          </ac:cxnSpMkLst>
+        </pc:cxnChg>
+        <pc:cxnChg chg="add">
+          <ac:chgData name="shravankumar mudrebettu" userId="56e404a613cbb6a9" providerId="LiveId" clId="{25DFA760-A2D1-404A-AD35-60413B8C14C7}" dt="2025-03-26T14:56:53.263" v="132" actId="11529"/>
+          <ac:cxnSpMkLst>
+            <pc:docMk/>
+            <pc:sldMk cId="4003874609" sldId="257"/>
+            <ac:cxnSpMk id="18" creationId="{CBAE2CA7-499D-A486-2A72-E04CF7E644FC}"/>
+          </ac:cxnSpMkLst>
+        </pc:cxnChg>
+        <pc:cxnChg chg="add mod">
+          <ac:chgData name="shravankumar mudrebettu" userId="56e404a613cbb6a9" providerId="LiveId" clId="{25DFA760-A2D1-404A-AD35-60413B8C14C7}" dt="2025-03-26T19:02:16.721" v="655" actId="1037"/>
+          <ac:cxnSpMkLst>
+            <pc:docMk/>
+            <pc:sldMk cId="4003874609" sldId="257"/>
+            <ac:cxnSpMk id="26" creationId="{9AC39BF8-64F8-BCEE-AC51-7AF706F4D015}"/>
+          </ac:cxnSpMkLst>
+        </pc:cxnChg>
+        <pc:cxnChg chg="add mod">
+          <ac:chgData name="shravankumar mudrebettu" userId="56e404a613cbb6a9" providerId="LiveId" clId="{25DFA760-A2D1-404A-AD35-60413B8C14C7}" dt="2025-03-26T18:59:56.757" v="584" actId="1036"/>
+          <ac:cxnSpMkLst>
+            <pc:docMk/>
+            <pc:sldMk cId="4003874609" sldId="257"/>
+            <ac:cxnSpMk id="28" creationId="{1027BF9E-EB50-18AB-9799-30E8852F0DE9}"/>
+          </ac:cxnSpMkLst>
+        </pc:cxnChg>
+        <pc:cxnChg chg="add mod">
+          <ac:chgData name="shravankumar mudrebettu" userId="56e404a613cbb6a9" providerId="LiveId" clId="{25DFA760-A2D1-404A-AD35-60413B8C14C7}" dt="2025-03-26T19:02:56.492" v="657" actId="164"/>
+          <ac:cxnSpMkLst>
+            <pc:docMk/>
+            <pc:sldMk cId="4003874609" sldId="257"/>
+            <ac:cxnSpMk id="30" creationId="{B8E85AAB-14E1-A343-EFDA-61CCA05A0095}"/>
+          </ac:cxnSpMkLst>
+        </pc:cxnChg>
+        <pc:cxnChg chg="add mod">
+          <ac:chgData name="shravankumar mudrebettu" userId="56e404a613cbb6a9" providerId="LiveId" clId="{25DFA760-A2D1-404A-AD35-60413B8C14C7}" dt="2025-03-26T19:00:48.498" v="607" actId="1037"/>
+          <ac:cxnSpMkLst>
+            <pc:docMk/>
+            <pc:sldMk cId="4003874609" sldId="257"/>
+            <ac:cxnSpMk id="33" creationId="{51F81388-B9A6-2989-F6C6-8355247D5BA4}"/>
+          </ac:cxnSpMkLst>
+        </pc:cxnChg>
+        <pc:cxnChg chg="add mod">
+          <ac:chgData name="shravankumar mudrebettu" userId="56e404a613cbb6a9" providerId="LiveId" clId="{25DFA760-A2D1-404A-AD35-60413B8C14C7}" dt="2025-03-26T19:02:16.721" v="655" actId="1037"/>
+          <ac:cxnSpMkLst>
+            <pc:docMk/>
+            <pc:sldMk cId="4003874609" sldId="257"/>
+            <ac:cxnSpMk id="39" creationId="{2681B3DF-A56E-1540-B097-B2C533673DA8}"/>
+          </ac:cxnSpMkLst>
+        </pc:cxnChg>
+      </pc:sldChg>
+      <pc:sldChg chg="addSp delSp modSp new mod">
+        <pc:chgData name="shravankumar mudrebettu" userId="56e404a613cbb6a9" providerId="LiveId" clId="{25DFA760-A2D1-404A-AD35-60413B8C14C7}" dt="2025-03-26T19:07:43.823" v="867" actId="5793"/>
+        <pc:sldMkLst>
+          <pc:docMk/>
+          <pc:sldMk cId="2094335002" sldId="258"/>
+        </pc:sldMkLst>
+        <pc:spChg chg="mod">
+          <ac:chgData name="shravankumar mudrebettu" userId="56e404a613cbb6a9" providerId="LiveId" clId="{25DFA760-A2D1-404A-AD35-60413B8C14C7}" dt="2025-03-26T18:46:36.272" v="260" actId="20577"/>
+          <ac:spMkLst>
+            <pc:docMk/>
+            <pc:sldMk cId="2094335002" sldId="258"/>
+            <ac:spMk id="2" creationId="{1F09E0CB-2E6D-5C81-526E-EC2B5DC9A2CD}"/>
+          </ac:spMkLst>
+        </pc:spChg>
+        <pc:spChg chg="del">
+          <ac:chgData name="shravankumar mudrebettu" userId="56e404a613cbb6a9" providerId="LiveId" clId="{25DFA760-A2D1-404A-AD35-60413B8C14C7}" dt="2025-03-26T18:44:05.241" v="191" actId="22"/>
+          <ac:spMkLst>
+            <pc:docMk/>
+            <pc:sldMk cId="2094335002" sldId="258"/>
+            <ac:spMk id="3" creationId="{99CFD8F7-965F-A8D8-261C-A9C2AFD4D4E1}"/>
+          </ac:spMkLst>
+        </pc:spChg>
+        <pc:spChg chg="add mod">
+          <ac:chgData name="shravankumar mudrebettu" userId="56e404a613cbb6a9" providerId="LiveId" clId="{25DFA760-A2D1-404A-AD35-60413B8C14C7}" dt="2025-03-26T18:48:31.320" v="290" actId="1076"/>
+          <ac:spMkLst>
+            <pc:docMk/>
+            <pc:sldMk cId="2094335002" sldId="258"/>
+            <ac:spMk id="6" creationId="{7D85B21D-74E4-B921-14CD-286AE6150F4F}"/>
+          </ac:spMkLst>
+        </pc:spChg>
+        <pc:spChg chg="add mod">
+          <ac:chgData name="shravankumar mudrebettu" userId="56e404a613cbb6a9" providerId="LiveId" clId="{25DFA760-A2D1-404A-AD35-60413B8C14C7}" dt="2025-03-26T19:07:43.823" v="867" actId="5793"/>
+          <ac:spMkLst>
+            <pc:docMk/>
+            <pc:sldMk cId="2094335002" sldId="258"/>
+            <ac:spMk id="7" creationId="{3A0FFA02-B7FF-942C-7E07-2BF0FDB14742}"/>
+          </ac:spMkLst>
+        </pc:spChg>
+        <pc:picChg chg="add mod ord">
+          <ac:chgData name="shravankumar mudrebettu" userId="56e404a613cbb6a9" providerId="LiveId" clId="{25DFA760-A2D1-404A-AD35-60413B8C14C7}" dt="2025-03-26T18:48:26.563" v="289" actId="1076"/>
+          <ac:picMkLst>
+            <pc:docMk/>
+            <pc:sldMk cId="2094335002" sldId="258"/>
+            <ac:picMk id="5" creationId="{E0F0E4B9-436E-E02D-AA21-137138E1C681}"/>
+          </ac:picMkLst>
+        </pc:picChg>
+      </pc:sldChg>
+      <pc:sldChg chg="modSp new del mod">
+        <pc:chgData name="shravankumar mudrebettu" userId="56e404a613cbb6a9" providerId="LiveId" clId="{25DFA760-A2D1-404A-AD35-60413B8C14C7}" dt="2025-03-26T15:00:34.639" v="160" actId="47"/>
+        <pc:sldMkLst>
+          <pc:docMk/>
+          <pc:sldMk cId="3691817743" sldId="258"/>
+        </pc:sldMkLst>
+        <pc:spChg chg="mod">
+          <ac:chgData name="shravankumar mudrebettu" userId="56e404a613cbb6a9" providerId="LiveId" clId="{25DFA760-A2D1-404A-AD35-60413B8C14C7}" dt="2025-03-26T14:57:58.663" v="159" actId="20577"/>
+          <ac:spMkLst>
+            <pc:docMk/>
+            <pc:sldMk cId="3691817743" sldId="258"/>
+            <ac:spMk id="2" creationId="{5D5F3AA4-84B8-5368-4F72-5F933A82749D}"/>
+          </ac:spMkLst>
+        </pc:spChg>
+      </pc:sldChg>
+      <pc:sldChg chg="addSp delSp modSp add mod">
+        <pc:chgData name="shravankumar mudrebettu" userId="56e404a613cbb6a9" providerId="LiveId" clId="{25DFA760-A2D1-404A-AD35-60413B8C14C7}" dt="2025-03-26T19:11:44.539" v="1276" actId="20577"/>
+        <pc:sldMkLst>
+          <pc:docMk/>
+          <pc:sldMk cId="850722927" sldId="259"/>
+        </pc:sldMkLst>
+        <pc:spChg chg="mod">
+          <ac:chgData name="shravankumar mudrebettu" userId="56e404a613cbb6a9" providerId="LiveId" clId="{25DFA760-A2D1-404A-AD35-60413B8C14C7}" dt="2025-03-26T18:47:19.878" v="284" actId="20577"/>
+          <ac:spMkLst>
+            <pc:docMk/>
+            <pc:sldMk cId="850722927" sldId="259"/>
+            <ac:spMk id="2" creationId="{E52F2424-65DB-37BB-8C52-DC195F866FBB}"/>
+          </ac:spMkLst>
+        </pc:spChg>
+        <pc:spChg chg="add del mod">
+          <ac:chgData name="shravankumar mudrebettu" userId="56e404a613cbb6a9" providerId="LiveId" clId="{25DFA760-A2D1-404A-AD35-60413B8C14C7}" dt="2025-03-26T18:47:25.416" v="285" actId="478"/>
+          <ac:spMkLst>
+            <pc:docMk/>
+            <pc:sldMk cId="850722927" sldId="259"/>
+            <ac:spMk id="4" creationId="{E9B45127-B5FE-8247-F477-9A756F45094A}"/>
+          </ac:spMkLst>
+        </pc:spChg>
+        <pc:spChg chg="del mod">
+          <ac:chgData name="shravankumar mudrebettu" userId="56e404a613cbb6a9" providerId="LiveId" clId="{25DFA760-A2D1-404A-AD35-60413B8C14C7}" dt="2025-03-26T18:46:51.120" v="264" actId="478"/>
+          <ac:spMkLst>
+            <pc:docMk/>
+            <pc:sldMk cId="850722927" sldId="259"/>
+            <ac:spMk id="6" creationId="{A9DB42A7-D35D-B4A2-19F9-DF9E01C78903}"/>
+          </ac:spMkLst>
+        </pc:spChg>
+        <pc:spChg chg="add mod">
+          <ac:chgData name="shravankumar mudrebettu" userId="56e404a613cbb6a9" providerId="LiveId" clId="{25DFA760-A2D1-404A-AD35-60413B8C14C7}" dt="2025-03-26T19:11:44.539" v="1276" actId="20577"/>
+          <ac:spMkLst>
+            <pc:docMk/>
+            <pc:sldMk cId="850722927" sldId="259"/>
+            <ac:spMk id="9" creationId="{3203A553-197E-E436-C695-DE92AC864AAC}"/>
+          </ac:spMkLst>
+        </pc:spChg>
+        <pc:picChg chg="del">
+          <ac:chgData name="shravankumar mudrebettu" userId="56e404a613cbb6a9" providerId="LiveId" clId="{25DFA760-A2D1-404A-AD35-60413B8C14C7}" dt="2025-03-26T18:46:44.408" v="261" actId="478"/>
+          <ac:picMkLst>
+            <pc:docMk/>
+            <pc:sldMk cId="850722927" sldId="259"/>
+            <ac:picMk id="5" creationId="{F7383DD5-96AF-8DCB-62E2-FC8CFE2E7025}"/>
+          </ac:picMkLst>
+        </pc:picChg>
+        <pc:picChg chg="add mod">
+          <ac:chgData name="shravankumar mudrebettu" userId="56e404a613cbb6a9" providerId="LiveId" clId="{25DFA760-A2D1-404A-AD35-60413B8C14C7}" dt="2025-03-26T18:48:58.236" v="292" actId="14100"/>
+          <ac:picMkLst>
+            <pc:docMk/>
+            <pc:sldMk cId="850722927" sldId="259"/>
+            <ac:picMk id="8" creationId="{6AD6E349-A785-DB78-CE8C-465E5EA9466B}"/>
+          </ac:picMkLst>
+        </pc:picChg>
+      </pc:sldChg>
+      <pc:sldChg chg="new del">
+        <pc:chgData name="shravankumar mudrebettu" userId="56e404a613cbb6a9" providerId="LiveId" clId="{25DFA760-A2D1-404A-AD35-60413B8C14C7}" dt="2025-03-26T18:49:15.552" v="294" actId="680"/>
+        <pc:sldMkLst>
+          <pc:docMk/>
+          <pc:sldMk cId="513805315" sldId="260"/>
+        </pc:sldMkLst>
+      </pc:sldChg>
+      <pc:sldChg chg="addSp delSp modSp add mod">
+        <pc:chgData name="shravankumar mudrebettu" userId="56e404a613cbb6a9" providerId="LiveId" clId="{25DFA760-A2D1-404A-AD35-60413B8C14C7}" dt="2025-03-26T19:16:41.482" v="1866" actId="20577"/>
+        <pc:sldMkLst>
+          <pc:docMk/>
+          <pc:sldMk cId="3826387115" sldId="260"/>
+        </pc:sldMkLst>
+        <pc:spChg chg="mod">
+          <ac:chgData name="shravankumar mudrebettu" userId="56e404a613cbb6a9" providerId="LiveId" clId="{25DFA760-A2D1-404A-AD35-60413B8C14C7}" dt="2025-03-26T18:49:56.879" v="321" actId="20577"/>
+          <ac:spMkLst>
+            <pc:docMk/>
+            <pc:sldMk cId="3826387115" sldId="260"/>
+            <ac:spMk id="2" creationId="{2009BA9E-ED93-2F5C-2DEC-BFFA15C96006}"/>
+          </ac:spMkLst>
+        </pc:spChg>
+        <pc:spChg chg="add mod">
+          <ac:chgData name="shravankumar mudrebettu" userId="56e404a613cbb6a9" providerId="LiveId" clId="{25DFA760-A2D1-404A-AD35-60413B8C14C7}" dt="2025-03-26T19:15:12.054" v="1737" actId="20577"/>
+          <ac:spMkLst>
+            <pc:docMk/>
+            <pc:sldMk cId="3826387115" sldId="260"/>
+            <ac:spMk id="5" creationId="{9BB22759-D437-B4C8-9E76-FA2015C8C938}"/>
+          </ac:spMkLst>
+        </pc:spChg>
+        <pc:spChg chg="add mod">
+          <ac:chgData name="shravankumar mudrebettu" userId="56e404a613cbb6a9" providerId="LiveId" clId="{25DFA760-A2D1-404A-AD35-60413B8C14C7}" dt="2025-03-26T19:16:41.482" v="1866" actId="20577"/>
+          <ac:spMkLst>
+            <pc:docMk/>
+            <pc:sldMk cId="3826387115" sldId="260"/>
+            <ac:spMk id="6" creationId="{763E9750-EAB0-2834-B9F9-01AD7ABD20DF}"/>
+          </ac:spMkLst>
+        </pc:spChg>
+        <pc:picChg chg="add mod">
+          <ac:chgData name="shravankumar mudrebettu" userId="56e404a613cbb6a9" providerId="LiveId" clId="{25DFA760-A2D1-404A-AD35-60413B8C14C7}" dt="2025-03-26T18:51:04.275" v="329" actId="14100"/>
+          <ac:picMkLst>
+            <pc:docMk/>
+            <pc:sldMk cId="3826387115" sldId="260"/>
+            <ac:picMk id="4" creationId="{ED7D2E65-DFBD-A487-EDFC-8D604AC95A81}"/>
+          </ac:picMkLst>
+        </pc:picChg>
+        <pc:picChg chg="del">
+          <ac:chgData name="shravankumar mudrebettu" userId="56e404a613cbb6a9" providerId="LiveId" clId="{25DFA760-A2D1-404A-AD35-60413B8C14C7}" dt="2025-03-26T18:50:45.047" v="322" actId="478"/>
+          <ac:picMkLst>
+            <pc:docMk/>
+            <pc:sldMk cId="3826387115" sldId="260"/>
+            <ac:picMk id="8" creationId="{515B51D6-F606-34C8-3939-6548ED2FCFAF}"/>
+          </ac:picMkLst>
+        </pc:picChg>
       </pc:sldChg>
     </pc:docChg>
   </pc:docChgLst>
@@ -362,7 +781,7 @@
           <a:p>
             <a:fld id="{515041B0-615C-4EEB-9C5E-CE81CE1E4DE8}" type="datetimeFigureOut">
               <a:rPr lang="en-IN" smtClean="0"/>
-              <a:t>26-03-2025</a:t>
+              <a:t>27-03-2025</a:t>
             </a:fld>
             <a:endParaRPr lang="en-IN"/>
           </a:p>
@@ -637,7 +1056,7 @@
           <a:p>
             <a:fld id="{515041B0-615C-4EEB-9C5E-CE81CE1E4DE8}" type="datetimeFigureOut">
               <a:rPr lang="en-IN" smtClean="0"/>
-              <a:t>26-03-2025</a:t>
+              <a:t>27-03-2025</a:t>
             </a:fld>
             <a:endParaRPr lang="en-IN"/>
           </a:p>
@@ -831,7 +1250,7 @@
           <a:p>
             <a:fld id="{515041B0-615C-4EEB-9C5E-CE81CE1E4DE8}" type="datetimeFigureOut">
               <a:rPr lang="en-IN" smtClean="0"/>
-              <a:t>26-03-2025</a:t>
+              <a:t>27-03-2025</a:t>
             </a:fld>
             <a:endParaRPr lang="en-IN"/>
           </a:p>
@@ -1104,7 +1523,7 @@
           <a:p>
             <a:fld id="{515041B0-615C-4EEB-9C5E-CE81CE1E4DE8}" type="datetimeFigureOut">
               <a:rPr lang="en-IN" smtClean="0"/>
-              <a:t>26-03-2025</a:t>
+              <a:t>27-03-2025</a:t>
             </a:fld>
             <a:endParaRPr lang="en-IN"/>
           </a:p>
@@ -1445,7 +1864,7 @@
           <a:p>
             <a:fld id="{515041B0-615C-4EEB-9C5E-CE81CE1E4DE8}" type="datetimeFigureOut">
               <a:rPr lang="en-IN" smtClean="0"/>
-              <a:t>26-03-2025</a:t>
+              <a:t>27-03-2025</a:t>
             </a:fld>
             <a:endParaRPr lang="en-IN"/>
           </a:p>
@@ -2068,7 +2487,7 @@
           <a:p>
             <a:fld id="{515041B0-615C-4EEB-9C5E-CE81CE1E4DE8}" type="datetimeFigureOut">
               <a:rPr lang="en-IN" smtClean="0"/>
-              <a:t>26-03-2025</a:t>
+              <a:t>27-03-2025</a:t>
             </a:fld>
             <a:endParaRPr lang="en-IN"/>
           </a:p>
@@ -2928,7 +3347,7 @@
           <a:p>
             <a:fld id="{515041B0-615C-4EEB-9C5E-CE81CE1E4DE8}" type="datetimeFigureOut">
               <a:rPr lang="en-IN" smtClean="0"/>
-              <a:t>26-03-2025</a:t>
+              <a:t>27-03-2025</a:t>
             </a:fld>
             <a:endParaRPr lang="en-IN"/>
           </a:p>
@@ -3098,7 +3517,7 @@
           <a:p>
             <a:fld id="{515041B0-615C-4EEB-9C5E-CE81CE1E4DE8}" type="datetimeFigureOut">
               <a:rPr lang="en-IN" smtClean="0"/>
-              <a:t>26-03-2025</a:t>
+              <a:t>27-03-2025</a:t>
             </a:fld>
             <a:endParaRPr lang="en-IN"/>
           </a:p>
@@ -3278,7 +3697,7 @@
           <a:p>
             <a:fld id="{515041B0-615C-4EEB-9C5E-CE81CE1E4DE8}" type="datetimeFigureOut">
               <a:rPr lang="en-IN" smtClean="0"/>
-              <a:t>26-03-2025</a:t>
+              <a:t>27-03-2025</a:t>
             </a:fld>
             <a:endParaRPr lang="en-IN"/>
           </a:p>
@@ -3448,7 +3867,7 @@
           <a:p>
             <a:fld id="{515041B0-615C-4EEB-9C5E-CE81CE1E4DE8}" type="datetimeFigureOut">
               <a:rPr lang="en-IN" smtClean="0"/>
-              <a:t>26-03-2025</a:t>
+              <a:t>27-03-2025</a:t>
             </a:fld>
             <a:endParaRPr lang="en-IN"/>
           </a:p>
@@ -3695,7 +4114,7 @@
           <a:p>
             <a:fld id="{515041B0-615C-4EEB-9C5E-CE81CE1E4DE8}" type="datetimeFigureOut">
               <a:rPr lang="en-IN" smtClean="0"/>
-              <a:t>26-03-2025</a:t>
+              <a:t>27-03-2025</a:t>
             </a:fld>
             <a:endParaRPr lang="en-IN"/>
           </a:p>
@@ -3987,7 +4406,7 @@
           <a:p>
             <a:fld id="{515041B0-615C-4EEB-9C5E-CE81CE1E4DE8}" type="datetimeFigureOut">
               <a:rPr lang="en-IN" smtClean="0"/>
-              <a:t>26-03-2025</a:t>
+              <a:t>27-03-2025</a:t>
             </a:fld>
             <a:endParaRPr lang="en-IN"/>
           </a:p>
@@ -4431,7 +4850,7 @@
           <a:p>
             <a:fld id="{515041B0-615C-4EEB-9C5E-CE81CE1E4DE8}" type="datetimeFigureOut">
               <a:rPr lang="en-IN" smtClean="0"/>
-              <a:t>26-03-2025</a:t>
+              <a:t>27-03-2025</a:t>
             </a:fld>
             <a:endParaRPr lang="en-IN"/>
           </a:p>
@@ -4549,7 +4968,7 @@
           <a:p>
             <a:fld id="{515041B0-615C-4EEB-9C5E-CE81CE1E4DE8}" type="datetimeFigureOut">
               <a:rPr lang="en-IN" smtClean="0"/>
-              <a:t>26-03-2025</a:t>
+              <a:t>27-03-2025</a:t>
             </a:fld>
             <a:endParaRPr lang="en-IN"/>
           </a:p>
@@ -4644,7 +5063,7 @@
           <a:p>
             <a:fld id="{515041B0-615C-4EEB-9C5E-CE81CE1E4DE8}" type="datetimeFigureOut">
               <a:rPr lang="en-IN" smtClean="0"/>
-              <a:t>26-03-2025</a:t>
+              <a:t>27-03-2025</a:t>
             </a:fld>
             <a:endParaRPr lang="en-IN"/>
           </a:p>
@@ -4923,7 +5342,7 @@
           <a:p>
             <a:fld id="{515041B0-615C-4EEB-9C5E-CE81CE1E4DE8}" type="datetimeFigureOut">
               <a:rPr lang="en-IN" smtClean="0"/>
-              <a:t>26-03-2025</a:t>
+              <a:t>27-03-2025</a:t>
             </a:fld>
             <a:endParaRPr lang="en-IN"/>
           </a:p>
@@ -5198,7 +5617,7 @@
           <a:p>
             <a:fld id="{515041B0-615C-4EEB-9C5E-CE81CE1E4DE8}" type="datetimeFigureOut">
               <a:rPr lang="en-IN" smtClean="0"/>
-              <a:t>26-03-2025</a:t>
+              <a:t>27-03-2025</a:t>
             </a:fld>
             <a:endParaRPr lang="en-IN"/>
           </a:p>
@@ -5627,7 +6046,7 @@
           <a:p>
             <a:fld id="{515041B0-615C-4EEB-9C5E-CE81CE1E4DE8}" type="datetimeFigureOut">
               <a:rPr lang="en-IN" smtClean="0"/>
-              <a:t>26-03-2025</a:t>
+              <a:t>27-03-2025</a:t>
             </a:fld>
             <a:endParaRPr lang="en-IN"/>
           </a:p>
@@ -6240,8 +6659,1405 @@
           <a:lstStyle/>
           <a:p>
             <a:r>
-              <a:rPr lang="en-IN" dirty="0"/>
-              <a:t>Main flow</a:t>
+              <a:rPr lang="en-IN" sz="3600" dirty="0"/>
+              <a:t>Main flow (high level)</a:t>
+            </a:r>
+          </a:p>
+        </p:txBody>
+      </p:sp>
+      <p:grpSp>
+        <p:nvGrpSpPr>
+          <p:cNvPr id="11" name="Group 10">
+            <a:extLst>
+              <a:ext uri="{FF2B5EF4-FFF2-40B4-BE49-F238E27FC236}">
+                <a16:creationId xmlns:a16="http://schemas.microsoft.com/office/drawing/2014/main" id="{E4D62806-4F1F-753A-78F0-58685EB7A5E5}"/>
+              </a:ext>
+            </a:extLst>
+          </p:cNvPr>
+          <p:cNvGrpSpPr/>
+          <p:nvPr/>
+        </p:nvGrpSpPr>
+        <p:grpSpPr>
+          <a:xfrm>
+            <a:off x="646111" y="1853248"/>
+            <a:ext cx="5780314" cy="4425708"/>
+            <a:chOff x="2623459" y="1853248"/>
+            <a:chExt cx="5780314" cy="4425708"/>
+          </a:xfrm>
+        </p:grpSpPr>
+        <p:sp>
+          <p:nvSpPr>
+            <p:cNvPr id="8" name="Rectangle: Rounded Corners 7">
+              <a:extLst>
+                <a:ext uri="{FF2B5EF4-FFF2-40B4-BE49-F238E27FC236}">
+                  <a16:creationId xmlns:a16="http://schemas.microsoft.com/office/drawing/2014/main" id="{7C6B01AF-EC9D-82A8-4DCF-E2891BAB28DE}"/>
+                </a:ext>
+              </a:extLst>
+            </p:cNvPr>
+            <p:cNvSpPr/>
+            <p:nvPr/>
+          </p:nvSpPr>
+          <p:spPr>
+            <a:xfrm>
+              <a:off x="2623459" y="3429000"/>
+              <a:ext cx="5780314" cy="1219200"/>
+            </a:xfrm>
+            <a:prstGeom prst="roundRect">
+              <a:avLst/>
+            </a:prstGeom>
+          </p:spPr>
+          <p:style>
+            <a:lnRef idx="2">
+              <a:schemeClr val="accent1">
+                <a:shade val="15000"/>
+              </a:schemeClr>
+            </a:lnRef>
+            <a:fillRef idx="1">
+              <a:schemeClr val="accent1"/>
+            </a:fillRef>
+            <a:effectRef idx="0">
+              <a:schemeClr val="accent1"/>
+            </a:effectRef>
+            <a:fontRef idx="minor">
+              <a:schemeClr val="lt1"/>
+            </a:fontRef>
+          </p:style>
+          <p:txBody>
+            <a:bodyPr rtlCol="0" anchor="ctr"/>
+            <a:lstStyle/>
+            <a:p>
+              <a:pPr algn="ctr"/>
+              <a:endParaRPr lang="en-IN"/>
+            </a:p>
+          </p:txBody>
+        </p:sp>
+        <p:sp>
+          <p:nvSpPr>
+            <p:cNvPr id="3" name="Rectangle 2">
+              <a:extLst>
+                <a:ext uri="{FF2B5EF4-FFF2-40B4-BE49-F238E27FC236}">
+                  <a16:creationId xmlns:a16="http://schemas.microsoft.com/office/drawing/2014/main" id="{85D07FDC-A813-6432-0529-40BE6EEE9BD3}"/>
+                </a:ext>
+              </a:extLst>
+            </p:cNvPr>
+            <p:cNvSpPr/>
+            <p:nvPr/>
+          </p:nvSpPr>
+          <p:spPr>
+            <a:xfrm>
+              <a:off x="4680857" y="1853248"/>
+              <a:ext cx="1654629" cy="500743"/>
+            </a:xfrm>
+            <a:prstGeom prst="rect">
+              <a:avLst/>
+            </a:prstGeom>
+          </p:spPr>
+          <p:style>
+            <a:lnRef idx="2">
+              <a:schemeClr val="accent1">
+                <a:shade val="15000"/>
+              </a:schemeClr>
+            </a:lnRef>
+            <a:fillRef idx="1">
+              <a:schemeClr val="accent1"/>
+            </a:fillRef>
+            <a:effectRef idx="0">
+              <a:schemeClr val="accent1"/>
+            </a:effectRef>
+            <a:fontRef idx="minor">
+              <a:schemeClr val="lt1"/>
+            </a:fontRef>
+          </p:style>
+          <p:txBody>
+            <a:bodyPr rtlCol="0" anchor="ctr"/>
+            <a:lstStyle/>
+            <a:p>
+              <a:pPr algn="ctr"/>
+              <a:r>
+                <a:rPr lang="en-IN" dirty="0"/>
+                <a:t>Main Flow</a:t>
+              </a:r>
+            </a:p>
+          </p:txBody>
+        </p:sp>
+        <p:sp>
+          <p:nvSpPr>
+            <p:cNvPr id="4" name="Rectangle 3">
+              <a:extLst>
+                <a:ext uri="{FF2B5EF4-FFF2-40B4-BE49-F238E27FC236}">
+                  <a16:creationId xmlns:a16="http://schemas.microsoft.com/office/drawing/2014/main" id="{04971351-A03D-7D47-F39D-3DD2748D1C06}"/>
+                </a:ext>
+              </a:extLst>
+            </p:cNvPr>
+            <p:cNvSpPr/>
+            <p:nvPr/>
+          </p:nvSpPr>
+          <p:spPr>
+            <a:xfrm>
+              <a:off x="4680857" y="2753035"/>
+              <a:ext cx="1654629" cy="500743"/>
+            </a:xfrm>
+            <a:prstGeom prst="rect">
+              <a:avLst/>
+            </a:prstGeom>
+          </p:spPr>
+          <p:style>
+            <a:lnRef idx="2">
+              <a:schemeClr val="accent1">
+                <a:shade val="15000"/>
+              </a:schemeClr>
+            </a:lnRef>
+            <a:fillRef idx="1">
+              <a:schemeClr val="accent1"/>
+            </a:fillRef>
+            <a:effectRef idx="0">
+              <a:schemeClr val="accent1"/>
+            </a:effectRef>
+            <a:fontRef idx="minor">
+              <a:schemeClr val="lt1"/>
+            </a:fontRef>
+          </p:style>
+          <p:txBody>
+            <a:bodyPr rtlCol="0" anchor="ctr"/>
+            <a:lstStyle/>
+            <a:p>
+              <a:pPr algn="ctr"/>
+              <a:r>
+                <a:rPr lang="en-IN" dirty="0"/>
+                <a:t>Process files</a:t>
+              </a:r>
+            </a:p>
+          </p:txBody>
+        </p:sp>
+        <p:sp>
+          <p:nvSpPr>
+            <p:cNvPr id="5" name="Rectangle 4">
+              <a:extLst>
+                <a:ext uri="{FF2B5EF4-FFF2-40B4-BE49-F238E27FC236}">
+                  <a16:creationId xmlns:a16="http://schemas.microsoft.com/office/drawing/2014/main" id="{17188E39-D8CF-2DD3-B6AC-34922455F417}"/>
+                </a:ext>
+              </a:extLst>
+            </p:cNvPr>
+            <p:cNvSpPr/>
+            <p:nvPr/>
+          </p:nvSpPr>
+          <p:spPr>
+            <a:xfrm>
+              <a:off x="4680856" y="3754521"/>
+              <a:ext cx="1654629" cy="500743"/>
+            </a:xfrm>
+            <a:prstGeom prst="rect">
+              <a:avLst/>
+            </a:prstGeom>
+          </p:spPr>
+          <p:style>
+            <a:lnRef idx="2">
+              <a:schemeClr val="accent1">
+                <a:shade val="15000"/>
+              </a:schemeClr>
+            </a:lnRef>
+            <a:fillRef idx="1">
+              <a:schemeClr val="accent1"/>
+            </a:fillRef>
+            <a:effectRef idx="0">
+              <a:schemeClr val="accent1"/>
+            </a:effectRef>
+            <a:fontRef idx="minor">
+              <a:schemeClr val="lt1"/>
+            </a:fontRef>
+          </p:style>
+          <p:txBody>
+            <a:bodyPr rtlCol="0" anchor="ctr"/>
+            <a:lstStyle/>
+            <a:p>
+              <a:pPr algn="ctr"/>
+              <a:r>
+                <a:rPr lang="en-IN" dirty="0"/>
+                <a:t>Analyse</a:t>
+              </a:r>
+            </a:p>
+          </p:txBody>
+        </p:sp>
+        <p:sp>
+          <p:nvSpPr>
+            <p:cNvPr id="6" name="Rectangle 5">
+              <a:extLst>
+                <a:ext uri="{FF2B5EF4-FFF2-40B4-BE49-F238E27FC236}">
+                  <a16:creationId xmlns:a16="http://schemas.microsoft.com/office/drawing/2014/main" id="{2D1E59F1-E075-8049-83C4-DFF8F0616623}"/>
+                </a:ext>
+              </a:extLst>
+            </p:cNvPr>
+            <p:cNvSpPr/>
+            <p:nvPr/>
+          </p:nvSpPr>
+          <p:spPr>
+            <a:xfrm>
+              <a:off x="6531428" y="3764356"/>
+              <a:ext cx="1654629" cy="500743"/>
+            </a:xfrm>
+            <a:prstGeom prst="rect">
+              <a:avLst/>
+            </a:prstGeom>
+          </p:spPr>
+          <p:style>
+            <a:lnRef idx="2">
+              <a:schemeClr val="accent1">
+                <a:shade val="15000"/>
+              </a:schemeClr>
+            </a:lnRef>
+            <a:fillRef idx="1">
+              <a:schemeClr val="accent1"/>
+            </a:fillRef>
+            <a:effectRef idx="0">
+              <a:schemeClr val="accent1"/>
+            </a:effectRef>
+            <a:fontRef idx="minor">
+              <a:schemeClr val="lt1"/>
+            </a:fontRef>
+          </p:style>
+          <p:txBody>
+            <a:bodyPr rtlCol="0" anchor="ctr"/>
+            <a:lstStyle/>
+            <a:p>
+              <a:pPr algn="ctr"/>
+              <a:r>
+                <a:rPr lang="en-IN" dirty="0"/>
+                <a:t>Classify</a:t>
+              </a:r>
+            </a:p>
+          </p:txBody>
+        </p:sp>
+        <p:sp>
+          <p:nvSpPr>
+            <p:cNvPr id="7" name="Rectangle 6">
+              <a:extLst>
+                <a:ext uri="{FF2B5EF4-FFF2-40B4-BE49-F238E27FC236}">
+                  <a16:creationId xmlns:a16="http://schemas.microsoft.com/office/drawing/2014/main" id="{8D464A02-B82B-82F7-93D5-3C053FAC8B9C}"/>
+                </a:ext>
+              </a:extLst>
+            </p:cNvPr>
+            <p:cNvSpPr/>
+            <p:nvPr/>
+          </p:nvSpPr>
+          <p:spPr>
+            <a:xfrm>
+              <a:off x="2830284" y="3754521"/>
+              <a:ext cx="1654629" cy="500743"/>
+            </a:xfrm>
+            <a:prstGeom prst="rect">
+              <a:avLst/>
+            </a:prstGeom>
+          </p:spPr>
+          <p:style>
+            <a:lnRef idx="2">
+              <a:schemeClr val="accent1">
+                <a:shade val="15000"/>
+              </a:schemeClr>
+            </a:lnRef>
+            <a:fillRef idx="1">
+              <a:schemeClr val="accent1"/>
+            </a:fillRef>
+            <a:effectRef idx="0">
+              <a:schemeClr val="accent1"/>
+            </a:effectRef>
+            <a:fontRef idx="minor">
+              <a:schemeClr val="lt1"/>
+            </a:fontRef>
+          </p:style>
+          <p:txBody>
+            <a:bodyPr rtlCol="0" anchor="ctr"/>
+            <a:lstStyle/>
+            <a:p>
+              <a:pPr algn="ctr"/>
+              <a:r>
+                <a:rPr lang="en-IN" dirty="0"/>
+                <a:t>Extract</a:t>
+              </a:r>
+            </a:p>
+          </p:txBody>
+        </p:sp>
+        <p:sp>
+          <p:nvSpPr>
+            <p:cNvPr id="9" name="Rectangle 8">
+              <a:extLst>
+                <a:ext uri="{FF2B5EF4-FFF2-40B4-BE49-F238E27FC236}">
+                  <a16:creationId xmlns:a16="http://schemas.microsoft.com/office/drawing/2014/main" id="{AB0E13A6-1E82-1BF6-C6B7-EA318A4B2203}"/>
+                </a:ext>
+              </a:extLst>
+            </p:cNvPr>
+            <p:cNvSpPr/>
+            <p:nvPr/>
+          </p:nvSpPr>
+          <p:spPr>
+            <a:xfrm>
+              <a:off x="4680856" y="4962835"/>
+              <a:ext cx="1654629" cy="500743"/>
+            </a:xfrm>
+            <a:prstGeom prst="rect">
+              <a:avLst/>
+            </a:prstGeom>
+          </p:spPr>
+          <p:style>
+            <a:lnRef idx="2">
+              <a:schemeClr val="accent1">
+                <a:shade val="15000"/>
+              </a:schemeClr>
+            </a:lnRef>
+            <a:fillRef idx="1">
+              <a:schemeClr val="accent1"/>
+            </a:fillRef>
+            <a:effectRef idx="0">
+              <a:schemeClr val="accent1"/>
+            </a:effectRef>
+            <a:fontRef idx="minor">
+              <a:schemeClr val="lt1"/>
+            </a:fontRef>
+          </p:style>
+          <p:txBody>
+            <a:bodyPr rtlCol="0" anchor="ctr"/>
+            <a:lstStyle/>
+            <a:p>
+              <a:pPr algn="ctr"/>
+              <a:r>
+                <a:rPr lang="en-IN" dirty="0"/>
+                <a:t>Duplicate check</a:t>
+              </a:r>
+            </a:p>
+          </p:txBody>
+        </p:sp>
+        <p:sp>
+          <p:nvSpPr>
+            <p:cNvPr id="10" name="Rectangle 9">
+              <a:extLst>
+                <a:ext uri="{FF2B5EF4-FFF2-40B4-BE49-F238E27FC236}">
+                  <a16:creationId xmlns:a16="http://schemas.microsoft.com/office/drawing/2014/main" id="{BE350B38-5EF8-F43D-1E8A-6060BE4060B3}"/>
+                </a:ext>
+              </a:extLst>
+            </p:cNvPr>
+            <p:cNvSpPr/>
+            <p:nvPr/>
+          </p:nvSpPr>
+          <p:spPr>
+            <a:xfrm>
+              <a:off x="4680856" y="5778213"/>
+              <a:ext cx="1654629" cy="500743"/>
+            </a:xfrm>
+            <a:prstGeom prst="rect">
+              <a:avLst/>
+            </a:prstGeom>
+          </p:spPr>
+          <p:style>
+            <a:lnRef idx="2">
+              <a:schemeClr val="accent1">
+                <a:shade val="15000"/>
+              </a:schemeClr>
+            </a:lnRef>
+            <a:fillRef idx="1">
+              <a:schemeClr val="accent1"/>
+            </a:fillRef>
+            <a:effectRef idx="0">
+              <a:schemeClr val="accent1"/>
+            </a:effectRef>
+            <a:fontRef idx="minor">
+              <a:schemeClr val="lt1"/>
+            </a:fontRef>
+          </p:style>
+          <p:txBody>
+            <a:bodyPr rtlCol="0" anchor="ctr"/>
+            <a:lstStyle/>
+            <a:p>
+              <a:pPr algn="ctr"/>
+              <a:r>
+                <a:rPr lang="en-IN" dirty="0"/>
+                <a:t>Output</a:t>
+              </a:r>
+            </a:p>
+          </p:txBody>
+        </p:sp>
+        <p:cxnSp>
+          <p:nvCxnSpPr>
+            <p:cNvPr id="12" name="Straight Arrow Connector 11">
+              <a:extLst>
+                <a:ext uri="{FF2B5EF4-FFF2-40B4-BE49-F238E27FC236}">
+                  <a16:creationId xmlns:a16="http://schemas.microsoft.com/office/drawing/2014/main" id="{DAAA8171-D536-9AF3-F1B3-3BC3C4259A37}"/>
+                </a:ext>
+              </a:extLst>
+            </p:cNvPr>
+            <p:cNvCxnSpPr>
+              <a:stCxn id="3" idx="2"/>
+              <a:endCxn id="4" idx="0"/>
+            </p:cNvCxnSpPr>
+            <p:nvPr/>
+          </p:nvCxnSpPr>
+          <p:spPr>
+            <a:xfrm>
+              <a:off x="5508172" y="2353991"/>
+              <a:ext cx="0" cy="399044"/>
+            </a:xfrm>
+            <a:prstGeom prst="straightConnector1">
+              <a:avLst/>
+            </a:prstGeom>
+            <a:ln>
+              <a:tailEnd type="triangle"/>
+            </a:ln>
+          </p:spPr>
+          <p:style>
+            <a:lnRef idx="1">
+              <a:schemeClr val="accent1"/>
+            </a:lnRef>
+            <a:fillRef idx="0">
+              <a:schemeClr val="accent1"/>
+            </a:fillRef>
+            <a:effectRef idx="0">
+              <a:schemeClr val="accent1"/>
+            </a:effectRef>
+            <a:fontRef idx="minor">
+              <a:schemeClr val="tx1"/>
+            </a:fontRef>
+          </p:style>
+        </p:cxnSp>
+        <p:cxnSp>
+          <p:nvCxnSpPr>
+            <p:cNvPr id="14" name="Straight Arrow Connector 13">
+              <a:extLst>
+                <a:ext uri="{FF2B5EF4-FFF2-40B4-BE49-F238E27FC236}">
+                  <a16:creationId xmlns:a16="http://schemas.microsoft.com/office/drawing/2014/main" id="{7DE6E629-58DB-0B61-8BE0-AFF8AA5E67B5}"/>
+                </a:ext>
+              </a:extLst>
+            </p:cNvPr>
+            <p:cNvCxnSpPr>
+              <a:stCxn id="4" idx="2"/>
+              <a:endCxn id="8" idx="0"/>
+            </p:cNvCxnSpPr>
+            <p:nvPr/>
+          </p:nvCxnSpPr>
+          <p:spPr>
+            <a:xfrm>
+              <a:off x="5508172" y="3253778"/>
+              <a:ext cx="5444" cy="175222"/>
+            </a:xfrm>
+            <a:prstGeom prst="straightConnector1">
+              <a:avLst/>
+            </a:prstGeom>
+            <a:ln>
+              <a:tailEnd type="triangle"/>
+            </a:ln>
+          </p:spPr>
+          <p:style>
+            <a:lnRef idx="1">
+              <a:schemeClr val="accent1"/>
+            </a:lnRef>
+            <a:fillRef idx="0">
+              <a:schemeClr val="accent1"/>
+            </a:fillRef>
+            <a:effectRef idx="0">
+              <a:schemeClr val="accent1"/>
+            </a:effectRef>
+            <a:fontRef idx="minor">
+              <a:schemeClr val="tx1"/>
+            </a:fontRef>
+          </p:style>
+        </p:cxnSp>
+        <p:cxnSp>
+          <p:nvCxnSpPr>
+            <p:cNvPr id="16" name="Straight Arrow Connector 15">
+              <a:extLst>
+                <a:ext uri="{FF2B5EF4-FFF2-40B4-BE49-F238E27FC236}">
+                  <a16:creationId xmlns:a16="http://schemas.microsoft.com/office/drawing/2014/main" id="{C4198E21-0231-AF4E-9258-25A0606D504C}"/>
+                </a:ext>
+              </a:extLst>
+            </p:cNvPr>
+            <p:cNvCxnSpPr>
+              <a:stCxn id="8" idx="2"/>
+              <a:endCxn id="9" idx="0"/>
+            </p:cNvCxnSpPr>
+            <p:nvPr/>
+          </p:nvCxnSpPr>
+          <p:spPr>
+            <a:xfrm flipH="1">
+              <a:off x="5508171" y="4648200"/>
+              <a:ext cx="5445" cy="314635"/>
+            </a:xfrm>
+            <a:prstGeom prst="straightConnector1">
+              <a:avLst/>
+            </a:prstGeom>
+            <a:ln>
+              <a:tailEnd type="triangle"/>
+            </a:ln>
+          </p:spPr>
+          <p:style>
+            <a:lnRef idx="1">
+              <a:schemeClr val="accent1"/>
+            </a:lnRef>
+            <a:fillRef idx="0">
+              <a:schemeClr val="accent1"/>
+            </a:fillRef>
+            <a:effectRef idx="0">
+              <a:schemeClr val="accent1"/>
+            </a:effectRef>
+            <a:fontRef idx="minor">
+              <a:schemeClr val="tx1"/>
+            </a:fontRef>
+          </p:style>
+        </p:cxnSp>
+        <p:cxnSp>
+          <p:nvCxnSpPr>
+            <p:cNvPr id="18" name="Straight Arrow Connector 17">
+              <a:extLst>
+                <a:ext uri="{FF2B5EF4-FFF2-40B4-BE49-F238E27FC236}">
+                  <a16:creationId xmlns:a16="http://schemas.microsoft.com/office/drawing/2014/main" id="{CBAE2CA7-499D-A486-2A72-E04CF7E644FC}"/>
+                </a:ext>
+              </a:extLst>
+            </p:cNvPr>
+            <p:cNvCxnSpPr>
+              <a:stCxn id="9" idx="2"/>
+              <a:endCxn id="10" idx="0"/>
+            </p:cNvCxnSpPr>
+            <p:nvPr/>
+          </p:nvCxnSpPr>
+          <p:spPr>
+            <a:xfrm>
+              <a:off x="5508171" y="5463578"/>
+              <a:ext cx="0" cy="314635"/>
+            </a:xfrm>
+            <a:prstGeom prst="straightConnector1">
+              <a:avLst/>
+            </a:prstGeom>
+            <a:ln>
+              <a:tailEnd type="triangle"/>
+            </a:ln>
+          </p:spPr>
+          <p:style>
+            <a:lnRef idx="1">
+              <a:schemeClr val="accent1"/>
+            </a:lnRef>
+            <a:fillRef idx="0">
+              <a:schemeClr val="accent1"/>
+            </a:fillRef>
+            <a:effectRef idx="0">
+              <a:schemeClr val="accent1"/>
+            </a:effectRef>
+            <a:fontRef idx="minor">
+              <a:schemeClr val="tx1"/>
+            </a:fontRef>
+          </p:style>
+        </p:cxnSp>
+      </p:grpSp>
+      <p:sp>
+        <p:nvSpPr>
+          <p:cNvPr id="13" name="Title 1">
+            <a:extLst>
+              <a:ext uri="{FF2B5EF4-FFF2-40B4-BE49-F238E27FC236}">
+                <a16:creationId xmlns:a16="http://schemas.microsoft.com/office/drawing/2014/main" id="{6FD2E7F0-42C8-D12A-86F5-D6D52780395D}"/>
+              </a:ext>
+            </a:extLst>
+          </p:cNvPr>
+          <p:cNvSpPr txBox="1">
+            <a:spLocks/>
+          </p:cNvSpPr>
+          <p:nvPr/>
+        </p:nvSpPr>
+        <p:spPr>
+          <a:xfrm>
+            <a:off x="7489638" y="332423"/>
+            <a:ext cx="9404723" cy="1400530"/>
+          </a:xfrm>
+          <a:prstGeom prst="rect">
+            <a:avLst/>
+          </a:prstGeom>
+        </p:spPr>
+        <p:txBody>
+          <a:bodyPr vert="horz" lIns="91440" tIns="45720" rIns="91440" bIns="45720" rtlCol="0" anchor="t">
+            <a:noAutofit/>
+          </a:bodyPr>
+          <a:lstStyle>
+            <a:lvl1pPr algn="l" defTabSz="457200" rtl="0" eaLnBrk="1" latinLnBrk="0" hangingPunct="1">
+              <a:spcBef>
+                <a:spcPct val="0"/>
+              </a:spcBef>
+              <a:buNone/>
+              <a:defRPr sz="4200" b="0" i="0" kern="1200">
+                <a:solidFill>
+                  <a:schemeClr val="tx2"/>
+                </a:solidFill>
+                <a:latin typeface="+mj-lt"/>
+                <a:ea typeface="+mj-ea"/>
+                <a:cs typeface="+mj-cs"/>
+              </a:defRPr>
+            </a:lvl1pPr>
+            <a:lvl2pPr eaLnBrk="1" hangingPunct="1">
+              <a:defRPr>
+                <a:solidFill>
+                  <a:schemeClr val="tx2"/>
+                </a:solidFill>
+              </a:defRPr>
+            </a:lvl2pPr>
+            <a:lvl3pPr eaLnBrk="1" hangingPunct="1">
+              <a:defRPr>
+                <a:solidFill>
+                  <a:schemeClr val="tx2"/>
+                </a:solidFill>
+              </a:defRPr>
+            </a:lvl3pPr>
+            <a:lvl4pPr eaLnBrk="1" hangingPunct="1">
+              <a:defRPr>
+                <a:solidFill>
+                  <a:schemeClr val="tx2"/>
+                </a:solidFill>
+              </a:defRPr>
+            </a:lvl4pPr>
+            <a:lvl5pPr eaLnBrk="1" hangingPunct="1">
+              <a:defRPr>
+                <a:solidFill>
+                  <a:schemeClr val="tx2"/>
+                </a:solidFill>
+              </a:defRPr>
+            </a:lvl5pPr>
+            <a:lvl6pPr eaLnBrk="1" hangingPunct="1">
+              <a:defRPr>
+                <a:solidFill>
+                  <a:schemeClr val="tx2"/>
+                </a:solidFill>
+              </a:defRPr>
+            </a:lvl6pPr>
+            <a:lvl7pPr eaLnBrk="1" hangingPunct="1">
+              <a:defRPr>
+                <a:solidFill>
+                  <a:schemeClr val="tx2"/>
+                </a:solidFill>
+              </a:defRPr>
+            </a:lvl7pPr>
+            <a:lvl8pPr eaLnBrk="1" hangingPunct="1">
+              <a:defRPr>
+                <a:solidFill>
+                  <a:schemeClr val="tx2"/>
+                </a:solidFill>
+              </a:defRPr>
+            </a:lvl8pPr>
+            <a:lvl9pPr eaLnBrk="1" hangingPunct="1">
+              <a:defRPr>
+                <a:solidFill>
+                  <a:schemeClr val="tx2"/>
+                </a:solidFill>
+              </a:defRPr>
+            </a:lvl9pPr>
+          </a:lstStyle>
+          <a:p>
+            <a:r>
+              <a:rPr lang="en-IN" sz="3600" dirty="0"/>
+              <a:t>Continuous Trainer</a:t>
+            </a:r>
+          </a:p>
+        </p:txBody>
+      </p:sp>
+      <p:cxnSp>
+        <p:nvCxnSpPr>
+          <p:cNvPr id="17" name="Straight Connector 16">
+            <a:extLst>
+              <a:ext uri="{FF2B5EF4-FFF2-40B4-BE49-F238E27FC236}">
+                <a16:creationId xmlns:a16="http://schemas.microsoft.com/office/drawing/2014/main" id="{3D001580-9EDB-D1F9-161B-A8DA9514DCEC}"/>
+              </a:ext>
+            </a:extLst>
+          </p:cNvPr>
+          <p:cNvCxnSpPr/>
+          <p:nvPr/>
+        </p:nvCxnSpPr>
+        <p:spPr>
+          <a:xfrm>
+            <a:off x="6945086" y="168639"/>
+            <a:ext cx="0" cy="6345500"/>
+          </a:xfrm>
+          <a:prstGeom prst="line">
+            <a:avLst/>
+          </a:prstGeom>
+          <a:ln w="85725">
+            <a:solidFill>
+              <a:schemeClr val="accent2">
+                <a:lumMod val="60000"/>
+                <a:lumOff val="40000"/>
+              </a:schemeClr>
+            </a:solidFill>
+          </a:ln>
+        </p:spPr>
+        <p:style>
+          <a:lnRef idx="1">
+            <a:schemeClr val="accent1"/>
+          </a:lnRef>
+          <a:fillRef idx="0">
+            <a:schemeClr val="accent1"/>
+          </a:fillRef>
+          <a:effectRef idx="0">
+            <a:schemeClr val="accent1"/>
+          </a:effectRef>
+          <a:fontRef idx="minor">
+            <a:schemeClr val="tx1"/>
+          </a:fontRef>
+        </p:style>
+      </p:cxnSp>
+      <p:grpSp>
+        <p:nvGrpSpPr>
+          <p:cNvPr id="40" name="Group 39">
+            <a:extLst>
+              <a:ext uri="{FF2B5EF4-FFF2-40B4-BE49-F238E27FC236}">
+                <a16:creationId xmlns:a16="http://schemas.microsoft.com/office/drawing/2014/main" id="{12FF2DF9-086A-3740-55C1-79C51F5919FD}"/>
+              </a:ext>
+            </a:extLst>
+          </p:cNvPr>
+          <p:cNvGrpSpPr/>
+          <p:nvPr/>
+        </p:nvGrpSpPr>
+        <p:grpSpPr>
+          <a:xfrm>
+            <a:off x="7251310" y="1732952"/>
+            <a:ext cx="4748599" cy="4126093"/>
+            <a:chOff x="7251310" y="1667637"/>
+            <a:chExt cx="4748599" cy="4126093"/>
+          </a:xfrm>
+        </p:grpSpPr>
+        <p:sp>
+          <p:nvSpPr>
+            <p:cNvPr id="19" name="Rectangle 18">
+              <a:extLst>
+                <a:ext uri="{FF2B5EF4-FFF2-40B4-BE49-F238E27FC236}">
+                  <a16:creationId xmlns:a16="http://schemas.microsoft.com/office/drawing/2014/main" id="{AD334FFB-FBBB-000C-E0A0-FF3B7895CFC1}"/>
+                </a:ext>
+              </a:extLst>
+            </p:cNvPr>
+            <p:cNvSpPr/>
+            <p:nvPr/>
+          </p:nvSpPr>
+          <p:spPr>
+            <a:xfrm>
+              <a:off x="7380515" y="1667637"/>
+              <a:ext cx="1654629" cy="500743"/>
+            </a:xfrm>
+            <a:prstGeom prst="rect">
+              <a:avLst/>
+            </a:prstGeom>
+          </p:spPr>
+          <p:style>
+            <a:lnRef idx="2">
+              <a:schemeClr val="accent1">
+                <a:shade val="15000"/>
+              </a:schemeClr>
+            </a:lnRef>
+            <a:fillRef idx="1">
+              <a:schemeClr val="accent1"/>
+            </a:fillRef>
+            <a:effectRef idx="0">
+              <a:schemeClr val="accent1"/>
+            </a:effectRef>
+            <a:fontRef idx="minor">
+              <a:schemeClr val="lt1"/>
+            </a:fontRef>
+          </p:style>
+          <p:txBody>
+            <a:bodyPr rtlCol="0" anchor="ctr"/>
+            <a:lstStyle/>
+            <a:p>
+              <a:pPr algn="ctr"/>
+              <a:r>
+                <a:rPr lang="en-IN" dirty="0"/>
+                <a:t>Main flow</a:t>
+              </a:r>
+            </a:p>
+          </p:txBody>
+        </p:sp>
+        <p:sp>
+          <p:nvSpPr>
+            <p:cNvPr id="20" name="Rectangle 19">
+              <a:extLst>
+                <a:ext uri="{FF2B5EF4-FFF2-40B4-BE49-F238E27FC236}">
+                  <a16:creationId xmlns:a16="http://schemas.microsoft.com/office/drawing/2014/main" id="{E306B6B5-3756-EF2F-D6DD-4E66127C07BD}"/>
+                </a:ext>
+              </a:extLst>
+            </p:cNvPr>
+            <p:cNvSpPr/>
+            <p:nvPr/>
+          </p:nvSpPr>
+          <p:spPr>
+            <a:xfrm>
+              <a:off x="10045193" y="1668192"/>
+              <a:ext cx="1928426" cy="500743"/>
+            </a:xfrm>
+            <a:prstGeom prst="rect">
+              <a:avLst/>
+            </a:prstGeom>
+          </p:spPr>
+          <p:style>
+            <a:lnRef idx="2">
+              <a:schemeClr val="accent1">
+                <a:shade val="15000"/>
+              </a:schemeClr>
+            </a:lnRef>
+            <a:fillRef idx="1">
+              <a:schemeClr val="accent1"/>
+            </a:fillRef>
+            <a:effectRef idx="0">
+              <a:schemeClr val="accent1"/>
+            </a:effectRef>
+            <a:fontRef idx="minor">
+              <a:schemeClr val="lt1"/>
+            </a:fontRef>
+          </p:style>
+          <p:txBody>
+            <a:bodyPr rtlCol="0" anchor="ctr"/>
+            <a:lstStyle/>
+            <a:p>
+              <a:pPr algn="ctr"/>
+              <a:r>
+                <a:rPr lang="en-IN" dirty="0"/>
+                <a:t>Daily </a:t>
+              </a:r>
+              <a:br>
+                <a:rPr lang="en-IN" dirty="0"/>
+              </a:br>
+              <a:r>
+                <a:rPr lang="en-IN" dirty="0"/>
+                <a:t>Scheduler</a:t>
+              </a:r>
+            </a:p>
+          </p:txBody>
+        </p:sp>
+        <p:sp>
+          <p:nvSpPr>
+            <p:cNvPr id="21" name="Rectangle: Rounded Corners 20">
+              <a:extLst>
+                <a:ext uri="{FF2B5EF4-FFF2-40B4-BE49-F238E27FC236}">
+                  <a16:creationId xmlns:a16="http://schemas.microsoft.com/office/drawing/2014/main" id="{64620E51-0311-CBE9-F1AF-23C6C1D34F40}"/>
+                </a:ext>
+              </a:extLst>
+            </p:cNvPr>
+            <p:cNvSpPr/>
+            <p:nvPr/>
+          </p:nvSpPr>
+          <p:spPr>
+            <a:xfrm>
+              <a:off x="7253738" y="3444517"/>
+              <a:ext cx="4746171" cy="1219200"/>
+            </a:xfrm>
+            <a:prstGeom prst="roundRect">
+              <a:avLst/>
+            </a:prstGeom>
+          </p:spPr>
+          <p:style>
+            <a:lnRef idx="2">
+              <a:schemeClr val="accent1">
+                <a:shade val="15000"/>
+              </a:schemeClr>
+            </a:lnRef>
+            <a:fillRef idx="1">
+              <a:schemeClr val="accent1"/>
+            </a:fillRef>
+            <a:effectRef idx="0">
+              <a:schemeClr val="accent1"/>
+            </a:effectRef>
+            <a:fontRef idx="minor">
+              <a:schemeClr val="lt1"/>
+            </a:fontRef>
+          </p:style>
+          <p:txBody>
+            <a:bodyPr rtlCol="0" anchor="ctr"/>
+            <a:lstStyle/>
+            <a:p>
+              <a:pPr algn="ctr"/>
+              <a:endParaRPr lang="en-IN" dirty="0"/>
+            </a:p>
+          </p:txBody>
+        </p:sp>
+        <p:sp>
+          <p:nvSpPr>
+            <p:cNvPr id="22" name="Rectangle 21">
+              <a:extLst>
+                <a:ext uri="{FF2B5EF4-FFF2-40B4-BE49-F238E27FC236}">
+                  <a16:creationId xmlns:a16="http://schemas.microsoft.com/office/drawing/2014/main" id="{5C643CBA-4D3B-F02B-C6AA-9F8A4EAE9DCD}"/>
+                </a:ext>
+              </a:extLst>
+            </p:cNvPr>
+            <p:cNvSpPr/>
+            <p:nvPr/>
+          </p:nvSpPr>
+          <p:spPr>
+            <a:xfrm>
+              <a:off x="7402284" y="3562421"/>
+              <a:ext cx="1654629" cy="500743"/>
+            </a:xfrm>
+            <a:prstGeom prst="rect">
+              <a:avLst/>
+            </a:prstGeom>
+          </p:spPr>
+          <p:style>
+            <a:lnRef idx="2">
+              <a:schemeClr val="accent1">
+                <a:shade val="15000"/>
+              </a:schemeClr>
+            </a:lnRef>
+            <a:fillRef idx="1">
+              <a:schemeClr val="accent1"/>
+            </a:fillRef>
+            <a:effectRef idx="0">
+              <a:schemeClr val="accent1"/>
+            </a:effectRef>
+            <a:fontRef idx="minor">
+              <a:schemeClr val="lt1"/>
+            </a:fontRef>
+          </p:style>
+          <p:txBody>
+            <a:bodyPr rtlCol="0" anchor="ctr"/>
+            <a:lstStyle/>
+            <a:p>
+              <a:pPr algn="ctr"/>
+              <a:r>
+                <a:rPr lang="en-IN" dirty="0"/>
+                <a:t>Split &amp; Tokenize </a:t>
+              </a:r>
+            </a:p>
+          </p:txBody>
+        </p:sp>
+        <p:sp>
+          <p:nvSpPr>
+            <p:cNvPr id="23" name="Rectangle 22">
+              <a:extLst>
+                <a:ext uri="{FF2B5EF4-FFF2-40B4-BE49-F238E27FC236}">
+                  <a16:creationId xmlns:a16="http://schemas.microsoft.com/office/drawing/2014/main" id="{2312DC10-BA7A-6CDE-96D1-34352B78CD59}"/>
+                </a:ext>
+              </a:extLst>
+            </p:cNvPr>
+            <p:cNvSpPr/>
+            <p:nvPr/>
+          </p:nvSpPr>
+          <p:spPr>
+            <a:xfrm>
+              <a:off x="10171104" y="3513984"/>
+              <a:ext cx="1654629" cy="500743"/>
+            </a:xfrm>
+            <a:prstGeom prst="rect">
+              <a:avLst/>
+            </a:prstGeom>
+          </p:spPr>
+          <p:style>
+            <a:lnRef idx="2">
+              <a:schemeClr val="accent1">
+                <a:shade val="15000"/>
+              </a:schemeClr>
+            </a:lnRef>
+            <a:fillRef idx="1">
+              <a:schemeClr val="accent1"/>
+            </a:fillRef>
+            <a:effectRef idx="0">
+              <a:schemeClr val="accent1"/>
+            </a:effectRef>
+            <a:fontRef idx="minor">
+              <a:schemeClr val="lt1"/>
+            </a:fontRef>
+          </p:style>
+          <p:txBody>
+            <a:bodyPr rtlCol="0" anchor="ctr"/>
+            <a:lstStyle/>
+            <a:p>
+              <a:pPr algn="ctr"/>
+              <a:r>
+                <a:rPr lang="en-IN" dirty="0"/>
+                <a:t>Train model</a:t>
+              </a:r>
+            </a:p>
+          </p:txBody>
+        </p:sp>
+        <p:sp>
+          <p:nvSpPr>
+            <p:cNvPr id="24" name="Rectangle 23">
+              <a:extLst>
+                <a:ext uri="{FF2B5EF4-FFF2-40B4-BE49-F238E27FC236}">
+                  <a16:creationId xmlns:a16="http://schemas.microsoft.com/office/drawing/2014/main" id="{4B7BB38A-BB32-123B-C39A-417E05FD88C9}"/>
+                </a:ext>
+              </a:extLst>
+            </p:cNvPr>
+            <p:cNvSpPr/>
+            <p:nvPr/>
+          </p:nvSpPr>
+          <p:spPr>
+            <a:xfrm>
+              <a:off x="8734192" y="4113069"/>
+              <a:ext cx="1654629" cy="500743"/>
+            </a:xfrm>
+            <a:prstGeom prst="rect">
+              <a:avLst/>
+            </a:prstGeom>
+          </p:spPr>
+          <p:style>
+            <a:lnRef idx="2">
+              <a:schemeClr val="accent1">
+                <a:shade val="15000"/>
+              </a:schemeClr>
+            </a:lnRef>
+            <a:fillRef idx="1">
+              <a:schemeClr val="accent1"/>
+            </a:fillRef>
+            <a:effectRef idx="0">
+              <a:schemeClr val="accent1"/>
+            </a:effectRef>
+            <a:fontRef idx="minor">
+              <a:schemeClr val="lt1"/>
+            </a:fontRef>
+          </p:style>
+          <p:txBody>
+            <a:bodyPr rtlCol="0" anchor="ctr"/>
+            <a:lstStyle/>
+            <a:p>
+              <a:pPr algn="ctr"/>
+              <a:r>
+                <a:rPr lang="en-IN" dirty="0"/>
+                <a:t>Update Trainer</a:t>
+              </a:r>
+            </a:p>
+          </p:txBody>
+        </p:sp>
+        <p:cxnSp>
+          <p:nvCxnSpPr>
+            <p:cNvPr id="26" name="Straight Arrow Connector 25">
+              <a:extLst>
+                <a:ext uri="{FF2B5EF4-FFF2-40B4-BE49-F238E27FC236}">
+                  <a16:creationId xmlns:a16="http://schemas.microsoft.com/office/drawing/2014/main" id="{9AC39BF8-64F8-BCEE-AC51-7AF706F4D015}"/>
+                </a:ext>
+              </a:extLst>
+            </p:cNvPr>
+            <p:cNvCxnSpPr>
+              <a:cxnSpLocks/>
+              <a:stCxn id="19" idx="2"/>
+              <a:endCxn id="34" idx="0"/>
+            </p:cNvCxnSpPr>
+            <p:nvPr/>
+          </p:nvCxnSpPr>
+          <p:spPr>
+            <a:xfrm>
+              <a:off x="8207830" y="2168380"/>
+              <a:ext cx="7693" cy="339967"/>
+            </a:xfrm>
+            <a:prstGeom prst="straightConnector1">
+              <a:avLst/>
+            </a:prstGeom>
+            <a:ln>
+              <a:tailEnd type="triangle"/>
+            </a:ln>
+          </p:spPr>
+          <p:style>
+            <a:lnRef idx="1">
+              <a:schemeClr val="accent1"/>
+            </a:lnRef>
+            <a:fillRef idx="0">
+              <a:schemeClr val="accent1"/>
+            </a:fillRef>
+            <a:effectRef idx="0">
+              <a:schemeClr val="accent1"/>
+            </a:effectRef>
+            <a:fontRef idx="minor">
+              <a:schemeClr val="tx1"/>
+            </a:fontRef>
+          </p:style>
+        </p:cxnSp>
+        <p:cxnSp>
+          <p:nvCxnSpPr>
+            <p:cNvPr id="28" name="Straight Arrow Connector 27">
+              <a:extLst>
+                <a:ext uri="{FF2B5EF4-FFF2-40B4-BE49-F238E27FC236}">
+                  <a16:creationId xmlns:a16="http://schemas.microsoft.com/office/drawing/2014/main" id="{1027BF9E-EB50-18AB-9799-30E8852F0DE9}"/>
+                </a:ext>
+              </a:extLst>
+            </p:cNvPr>
+            <p:cNvCxnSpPr>
+              <a:stCxn id="19" idx="3"/>
+              <a:endCxn id="20" idx="1"/>
+            </p:cNvCxnSpPr>
+            <p:nvPr/>
+          </p:nvCxnSpPr>
+          <p:spPr>
+            <a:xfrm>
+              <a:off x="9035144" y="1918009"/>
+              <a:ext cx="1010049" cy="555"/>
+            </a:xfrm>
+            <a:prstGeom prst="straightConnector1">
+              <a:avLst/>
+            </a:prstGeom>
+            <a:ln>
+              <a:tailEnd type="triangle"/>
+            </a:ln>
+          </p:spPr>
+          <p:style>
+            <a:lnRef idx="1">
+              <a:schemeClr val="accent1"/>
+            </a:lnRef>
+            <a:fillRef idx="0">
+              <a:schemeClr val="accent1"/>
+            </a:fillRef>
+            <a:effectRef idx="0">
+              <a:schemeClr val="accent1"/>
+            </a:effectRef>
+            <a:fontRef idx="minor">
+              <a:schemeClr val="tx1"/>
+            </a:fontRef>
+          </p:style>
+        </p:cxnSp>
+        <p:cxnSp>
+          <p:nvCxnSpPr>
+            <p:cNvPr id="30" name="Straight Arrow Connector 29">
+              <a:extLst>
+                <a:ext uri="{FF2B5EF4-FFF2-40B4-BE49-F238E27FC236}">
+                  <a16:creationId xmlns:a16="http://schemas.microsoft.com/office/drawing/2014/main" id="{B8E85AAB-14E1-A343-EFDA-61CCA05A0095}"/>
+                </a:ext>
+              </a:extLst>
+            </p:cNvPr>
+            <p:cNvCxnSpPr>
+              <a:stCxn id="20" idx="2"/>
+            </p:cNvCxnSpPr>
+            <p:nvPr/>
+          </p:nvCxnSpPr>
+          <p:spPr>
+            <a:xfrm flipH="1">
+              <a:off x="10998418" y="2168935"/>
+              <a:ext cx="10988" cy="1275582"/>
+            </a:xfrm>
+            <a:prstGeom prst="straightConnector1">
+              <a:avLst/>
+            </a:prstGeom>
+            <a:ln>
+              <a:tailEnd type="triangle"/>
+            </a:ln>
+          </p:spPr>
+          <p:style>
+            <a:lnRef idx="1">
+              <a:schemeClr val="accent1"/>
+            </a:lnRef>
+            <a:fillRef idx="0">
+              <a:schemeClr val="accent1"/>
+            </a:fillRef>
+            <a:effectRef idx="0">
+              <a:schemeClr val="accent1"/>
+            </a:effectRef>
+            <a:fontRef idx="minor">
+              <a:schemeClr val="tx1"/>
+            </a:fontRef>
+          </p:style>
+        </p:cxnSp>
+        <p:sp>
+          <p:nvSpPr>
+            <p:cNvPr id="31" name="Rectangle 30">
+              <a:extLst>
+                <a:ext uri="{FF2B5EF4-FFF2-40B4-BE49-F238E27FC236}">
+                  <a16:creationId xmlns:a16="http://schemas.microsoft.com/office/drawing/2014/main" id="{23C87B0F-2F12-77E7-03E6-30687CD50E90}"/>
+                </a:ext>
+              </a:extLst>
+            </p:cNvPr>
+            <p:cNvSpPr/>
+            <p:nvPr/>
+          </p:nvSpPr>
+          <p:spPr>
+            <a:xfrm>
+              <a:off x="8766845" y="5292987"/>
+              <a:ext cx="1654629" cy="500743"/>
+            </a:xfrm>
+            <a:prstGeom prst="rect">
+              <a:avLst/>
+            </a:prstGeom>
+          </p:spPr>
+          <p:style>
+            <a:lnRef idx="2">
+              <a:schemeClr val="accent1">
+                <a:shade val="15000"/>
+              </a:schemeClr>
+            </a:lnRef>
+            <a:fillRef idx="1">
+              <a:schemeClr val="accent1"/>
+            </a:fillRef>
+            <a:effectRef idx="0">
+              <a:schemeClr val="accent1"/>
+            </a:effectRef>
+            <a:fontRef idx="minor">
+              <a:schemeClr val="lt1"/>
+            </a:fontRef>
+          </p:style>
+          <p:txBody>
+            <a:bodyPr rtlCol="0" anchor="ctr"/>
+            <a:lstStyle/>
+            <a:p>
+              <a:pPr algn="ctr"/>
+              <a:r>
+                <a:rPr lang="en-IN" dirty="0"/>
+                <a:t>Save Model</a:t>
+              </a:r>
+            </a:p>
+          </p:txBody>
+        </p:sp>
+        <p:cxnSp>
+          <p:nvCxnSpPr>
+            <p:cNvPr id="33" name="Straight Arrow Connector 32">
+              <a:extLst>
+                <a:ext uri="{FF2B5EF4-FFF2-40B4-BE49-F238E27FC236}">
+                  <a16:creationId xmlns:a16="http://schemas.microsoft.com/office/drawing/2014/main" id="{51F81388-B9A6-2989-F6C6-8355247D5BA4}"/>
+                </a:ext>
+              </a:extLst>
+            </p:cNvPr>
+            <p:cNvCxnSpPr>
+              <a:stCxn id="24" idx="2"/>
+              <a:endCxn id="31" idx="0"/>
+            </p:cNvCxnSpPr>
+            <p:nvPr/>
+          </p:nvCxnSpPr>
+          <p:spPr>
+            <a:xfrm>
+              <a:off x="9561507" y="4613812"/>
+              <a:ext cx="32653" cy="679175"/>
+            </a:xfrm>
+            <a:prstGeom prst="straightConnector1">
+              <a:avLst/>
+            </a:prstGeom>
+            <a:ln>
+              <a:tailEnd type="triangle"/>
+            </a:ln>
+          </p:spPr>
+          <p:style>
+            <a:lnRef idx="1">
+              <a:schemeClr val="accent1"/>
+            </a:lnRef>
+            <a:fillRef idx="0">
+              <a:schemeClr val="accent1"/>
+            </a:fillRef>
+            <a:effectRef idx="0">
+              <a:schemeClr val="accent1"/>
+            </a:effectRef>
+            <a:fontRef idx="minor">
+              <a:schemeClr val="tx1"/>
+            </a:fontRef>
+          </p:style>
+        </p:cxnSp>
+        <p:sp>
+          <p:nvSpPr>
+            <p:cNvPr id="34" name="Rectangle 33">
+              <a:extLst>
+                <a:ext uri="{FF2B5EF4-FFF2-40B4-BE49-F238E27FC236}">
+                  <a16:creationId xmlns:a16="http://schemas.microsoft.com/office/drawing/2014/main" id="{520EBDF6-08BD-D8B8-963D-82F1913986FA}"/>
+                </a:ext>
+              </a:extLst>
+            </p:cNvPr>
+            <p:cNvSpPr/>
+            <p:nvPr/>
+          </p:nvSpPr>
+          <p:spPr>
+            <a:xfrm>
+              <a:off x="7251310" y="2508347"/>
+              <a:ext cx="1928426" cy="500743"/>
+            </a:xfrm>
+            <a:prstGeom prst="rect">
+              <a:avLst/>
+            </a:prstGeom>
+          </p:spPr>
+          <p:style>
+            <a:lnRef idx="2">
+              <a:schemeClr val="accent1">
+                <a:shade val="15000"/>
+              </a:schemeClr>
+            </a:lnRef>
+            <a:fillRef idx="1">
+              <a:schemeClr val="accent1"/>
+            </a:fillRef>
+            <a:effectRef idx="0">
+              <a:schemeClr val="accent1"/>
+            </a:effectRef>
+            <a:fontRef idx="minor">
+              <a:schemeClr val="lt1"/>
+            </a:fontRef>
+          </p:style>
+          <p:txBody>
+            <a:bodyPr rtlCol="0" anchor="ctr"/>
+            <a:lstStyle/>
+            <a:p>
+              <a:pPr algn="ctr"/>
+              <a:r>
+                <a:rPr lang="en-IN" dirty="0"/>
+                <a:t>Init </a:t>
+              </a:r>
+              <a:br>
+                <a:rPr lang="en-IN" dirty="0"/>
+              </a:br>
+              <a:r>
+                <a:rPr lang="en-IN" dirty="0"/>
+                <a:t>Trainer</a:t>
+              </a:r>
+            </a:p>
+          </p:txBody>
+        </p:sp>
+        <p:cxnSp>
+          <p:nvCxnSpPr>
+            <p:cNvPr id="39" name="Straight Arrow Connector 38">
+              <a:extLst>
+                <a:ext uri="{FF2B5EF4-FFF2-40B4-BE49-F238E27FC236}">
+                  <a16:creationId xmlns:a16="http://schemas.microsoft.com/office/drawing/2014/main" id="{2681B3DF-A56E-1540-B097-B2C533673DA8}"/>
+                </a:ext>
+              </a:extLst>
+            </p:cNvPr>
+            <p:cNvCxnSpPr>
+              <a:stCxn id="34" idx="2"/>
+            </p:cNvCxnSpPr>
+            <p:nvPr/>
+          </p:nvCxnSpPr>
+          <p:spPr>
+            <a:xfrm>
+              <a:off x="8215523" y="3009090"/>
+              <a:ext cx="0" cy="419910"/>
+            </a:xfrm>
+            <a:prstGeom prst="straightConnector1">
+              <a:avLst/>
+            </a:prstGeom>
+            <a:ln>
+              <a:tailEnd type="triangle"/>
+            </a:ln>
+          </p:spPr>
+          <p:style>
+            <a:lnRef idx="1">
+              <a:schemeClr val="accent1"/>
+            </a:lnRef>
+            <a:fillRef idx="0">
+              <a:schemeClr val="accent1"/>
+            </a:fillRef>
+            <a:effectRef idx="0">
+              <a:schemeClr val="accent1"/>
+            </a:effectRef>
+            <a:fontRef idx="minor">
+              <a:schemeClr val="tx1"/>
+            </a:fontRef>
+          </p:style>
+        </p:cxnSp>
+      </p:grpSp>
+      <p:sp>
+        <p:nvSpPr>
+          <p:cNvPr id="41" name="TextBox 40">
+            <a:extLst>
+              <a:ext uri="{FF2B5EF4-FFF2-40B4-BE49-F238E27FC236}">
+                <a16:creationId xmlns:a16="http://schemas.microsoft.com/office/drawing/2014/main" id="{3946B13A-5A6D-1488-5F29-4BA9EE6E31FA}"/>
+              </a:ext>
+            </a:extLst>
+          </p:cNvPr>
+          <p:cNvSpPr txBox="1"/>
+          <p:nvPr/>
+        </p:nvSpPr>
+        <p:spPr>
+          <a:xfrm>
+            <a:off x="7352213" y="6409764"/>
+            <a:ext cx="4248279" cy="261610"/>
+          </a:xfrm>
+          <a:prstGeom prst="rect">
+            <a:avLst/>
+          </a:prstGeom>
+          <a:noFill/>
+        </p:spPr>
+        <p:txBody>
+          <a:bodyPr wrap="none" rtlCol="0">
+            <a:spAutoFit/>
+          </a:bodyPr>
+          <a:lstStyle/>
+          <a:p>
+            <a:r>
+              <a:rPr lang="en-IN" sz="1100" dirty="0"/>
+              <a:t>*Daily Schedule uses classification output from LLMs to train </a:t>
             </a:r>
           </a:p>
         </p:txBody>
@@ -6250,6 +8066,675 @@
     <p:extLst>
       <p:ext uri="{BB962C8B-B14F-4D97-AF65-F5344CB8AC3E}">
         <p14:creationId xmlns:p14="http://schemas.microsoft.com/office/powerpoint/2010/main" val="4003874609"/>
+      </p:ext>
+    </p:extLst>
+  </p:cSld>
+  <p:clrMapOvr>
+    <a:masterClrMapping/>
+  </p:clrMapOvr>
+</p:sld>
+</file>
+
+<file path=ppt/slides/slide3.xml><?xml version="1.0" encoding="utf-8"?>
+<p:sld xmlns:a="http://schemas.openxmlformats.org/drawingml/2006/main" xmlns:r="http://schemas.openxmlformats.org/officeDocument/2006/relationships" xmlns:p="http://schemas.openxmlformats.org/presentationml/2006/main">
+  <p:cSld>
+    <p:spTree>
+      <p:nvGrpSpPr>
+        <p:cNvPr id="1" name=""/>
+        <p:cNvGrpSpPr/>
+        <p:nvPr/>
+      </p:nvGrpSpPr>
+      <p:grpSpPr>
+        <a:xfrm>
+          <a:off x="0" y="0"/>
+          <a:ext cx="0" cy="0"/>
+          <a:chOff x="0" y="0"/>
+          <a:chExt cx="0" cy="0"/>
+        </a:xfrm>
+      </p:grpSpPr>
+      <p:sp>
+        <p:nvSpPr>
+          <p:cNvPr id="2" name="Title 1">
+            <a:extLst>
+              <a:ext uri="{FF2B5EF4-FFF2-40B4-BE49-F238E27FC236}">
+                <a16:creationId xmlns:a16="http://schemas.microsoft.com/office/drawing/2014/main" id="{1F09E0CB-2E6D-5C81-526E-EC2B5DC9A2CD}"/>
+              </a:ext>
+            </a:extLst>
+          </p:cNvPr>
+          <p:cNvSpPr>
+            <a:spLocks noGrp="1"/>
+          </p:cNvSpPr>
+          <p:nvPr>
+            <p:ph type="title"/>
+          </p:nvPr>
+        </p:nvSpPr>
+        <p:spPr/>
+        <p:txBody>
+          <a:bodyPr/>
+          <a:lstStyle/>
+          <a:p>
+            <a:r>
+              <a:rPr lang="en-IN" sz="3600" dirty="0"/>
+              <a:t>Process &amp; Extraction of files/ email data</a:t>
+            </a:r>
+          </a:p>
+        </p:txBody>
+      </p:sp>
+      <p:pic>
+        <p:nvPicPr>
+          <p:cNvPr id="5" name="Content Placeholder 4">
+            <a:extLst>
+              <a:ext uri="{FF2B5EF4-FFF2-40B4-BE49-F238E27FC236}">
+                <a16:creationId xmlns:a16="http://schemas.microsoft.com/office/drawing/2014/main" id="{E0F0E4B9-436E-E02D-AA21-137138E1C681}"/>
+              </a:ext>
+            </a:extLst>
+          </p:cNvPr>
+          <p:cNvPicPr>
+            <a:picLocks noGrp="1" noChangeAspect="1"/>
+          </p:cNvPicPr>
+          <p:nvPr>
+            <p:ph idx="1"/>
+          </p:nvPr>
+        </p:nvPicPr>
+        <p:blipFill>
+          <a:blip r:embed="rId2"/>
+          <a:stretch>
+            <a:fillRect/>
+          </a:stretch>
+        </p:blipFill>
+        <p:spPr>
+          <a:xfrm>
+            <a:off x="4953000" y="1152983"/>
+            <a:ext cx="7015365" cy="4967937"/>
+          </a:xfrm>
+        </p:spPr>
+      </p:pic>
+      <p:sp>
+        <p:nvSpPr>
+          <p:cNvPr id="6" name="Rectangle 5">
+            <a:extLst>
+              <a:ext uri="{FF2B5EF4-FFF2-40B4-BE49-F238E27FC236}">
+                <a16:creationId xmlns:a16="http://schemas.microsoft.com/office/drawing/2014/main" id="{7D85B21D-74E4-B921-14CD-286AE6150F4F}"/>
+              </a:ext>
+            </a:extLst>
+          </p:cNvPr>
+          <p:cNvSpPr/>
+          <p:nvPr/>
+        </p:nvSpPr>
+        <p:spPr>
+          <a:xfrm>
+            <a:off x="8853672" y="6120920"/>
+            <a:ext cx="1654629" cy="500743"/>
+          </a:xfrm>
+          <a:prstGeom prst="rect">
+            <a:avLst/>
+          </a:prstGeom>
+        </p:spPr>
+        <p:style>
+          <a:lnRef idx="2">
+            <a:schemeClr val="accent1">
+              <a:shade val="15000"/>
+            </a:schemeClr>
+          </a:lnRef>
+          <a:fillRef idx="1">
+            <a:schemeClr val="accent1"/>
+          </a:fillRef>
+          <a:effectRef idx="0">
+            <a:schemeClr val="accent1"/>
+          </a:effectRef>
+          <a:fontRef idx="minor">
+            <a:schemeClr val="lt1"/>
+          </a:fontRef>
+        </p:style>
+        <p:txBody>
+          <a:bodyPr rtlCol="0" anchor="ctr"/>
+          <a:lstStyle/>
+          <a:p>
+            <a:pPr algn="ctr"/>
+            <a:r>
+              <a:rPr lang="en-IN" dirty="0"/>
+              <a:t>Classify</a:t>
+            </a:r>
+          </a:p>
+        </p:txBody>
+      </p:sp>
+      <p:sp>
+        <p:nvSpPr>
+          <p:cNvPr id="7" name="TextBox 6">
+            <a:extLst>
+              <a:ext uri="{FF2B5EF4-FFF2-40B4-BE49-F238E27FC236}">
+                <a16:creationId xmlns:a16="http://schemas.microsoft.com/office/drawing/2014/main" id="{3A0FFA02-B7FF-942C-7E07-2BF0FDB14742}"/>
+              </a:ext>
+            </a:extLst>
+          </p:cNvPr>
+          <p:cNvSpPr txBox="1"/>
+          <p:nvPr/>
+        </p:nvSpPr>
+        <p:spPr>
+          <a:xfrm>
+            <a:off x="223635" y="1730828"/>
+            <a:ext cx="4453463" cy="2215991"/>
+          </a:xfrm>
+          <a:prstGeom prst="rect">
+            <a:avLst/>
+          </a:prstGeom>
+          <a:noFill/>
+        </p:spPr>
+        <p:txBody>
+          <a:bodyPr wrap="none" rtlCol="0">
+            <a:spAutoFit/>
+          </a:bodyPr>
+          <a:lstStyle/>
+          <a:p>
+            <a:pPr marL="285750" indent="-285750">
+              <a:buFont typeface="Arial" panose="020B0604020202020204" pitchFamily="34" charset="0"/>
+              <a:buChar char="•"/>
+            </a:pPr>
+            <a:r>
+              <a:rPr lang="en-US" dirty="0"/>
+              <a:t>NLP, OCR, &amp; deep learning for </a:t>
+            </a:r>
+          </a:p>
+          <a:p>
+            <a:r>
+              <a:rPr lang="en-US" dirty="0"/>
+              <a:t>    text extraction</a:t>
+            </a:r>
+          </a:p>
+          <a:p>
+            <a:endParaRPr lang="en-US" dirty="0"/>
+          </a:p>
+          <a:p>
+            <a:pPr marL="285750" indent="-285750">
+              <a:buFont typeface="Arial" panose="020B0604020202020204" pitchFamily="34" charset="0"/>
+              <a:buChar char="•"/>
+            </a:pPr>
+            <a:r>
+              <a:rPr lang="en-US" dirty="0"/>
+              <a:t>Extracts metadata of email.</a:t>
+            </a:r>
+          </a:p>
+          <a:p>
+            <a:endParaRPr lang="en-US" dirty="0"/>
+          </a:p>
+          <a:p>
+            <a:pPr marL="285750" indent="-285750">
+              <a:buFont typeface="Arial" panose="020B0604020202020204" pitchFamily="34" charset="0"/>
+              <a:buChar char="•"/>
+            </a:pPr>
+            <a:r>
+              <a:rPr lang="en-US" dirty="0"/>
+              <a:t>Extracts all attachment information </a:t>
+            </a:r>
+          </a:p>
+          <a:p>
+            <a:r>
+              <a:rPr lang="en-US" dirty="0"/>
+              <a:t>     as text , to be used in classification.</a:t>
+            </a:r>
+          </a:p>
+          <a:p>
+            <a:endParaRPr lang="en-IN" sz="1200" dirty="0"/>
+          </a:p>
+        </p:txBody>
+      </p:sp>
+    </p:spTree>
+    <p:extLst>
+      <p:ext uri="{BB962C8B-B14F-4D97-AF65-F5344CB8AC3E}">
+        <p14:creationId xmlns:p14="http://schemas.microsoft.com/office/powerpoint/2010/main" val="2094335002"/>
+      </p:ext>
+    </p:extLst>
+  </p:cSld>
+  <p:clrMapOvr>
+    <a:masterClrMapping/>
+  </p:clrMapOvr>
+</p:sld>
+</file>
+
+<file path=ppt/slides/slide4.xml><?xml version="1.0" encoding="utf-8"?>
+<p:sld xmlns:a="http://schemas.openxmlformats.org/drawingml/2006/main" xmlns:r="http://schemas.openxmlformats.org/officeDocument/2006/relationships" xmlns:p="http://schemas.openxmlformats.org/presentationml/2006/main">
+  <p:cSld>
+    <p:spTree>
+      <p:nvGrpSpPr>
+        <p:cNvPr id="1" name="">
+          <a:extLst>
+            <a:ext uri="{FF2B5EF4-FFF2-40B4-BE49-F238E27FC236}">
+              <a16:creationId xmlns:a16="http://schemas.microsoft.com/office/drawing/2014/main" id="{FCB65B21-2804-067C-863A-4A4A15C19845}"/>
+            </a:ext>
+          </a:extLst>
+        </p:cNvPr>
+        <p:cNvGrpSpPr/>
+        <p:nvPr/>
+      </p:nvGrpSpPr>
+      <p:grpSpPr>
+        <a:xfrm>
+          <a:off x="0" y="0"/>
+          <a:ext cx="0" cy="0"/>
+          <a:chOff x="0" y="0"/>
+          <a:chExt cx="0" cy="0"/>
+        </a:xfrm>
+      </p:grpSpPr>
+      <p:sp>
+        <p:nvSpPr>
+          <p:cNvPr id="2" name="Title 1">
+            <a:extLst>
+              <a:ext uri="{FF2B5EF4-FFF2-40B4-BE49-F238E27FC236}">
+                <a16:creationId xmlns:a16="http://schemas.microsoft.com/office/drawing/2014/main" id="{E52F2424-65DB-37BB-8C52-DC195F866FBB}"/>
+              </a:ext>
+            </a:extLst>
+          </p:cNvPr>
+          <p:cNvSpPr>
+            <a:spLocks noGrp="1"/>
+          </p:cNvSpPr>
+          <p:nvPr>
+            <p:ph type="title"/>
+          </p:nvPr>
+        </p:nvSpPr>
+        <p:spPr>
+          <a:xfrm>
+            <a:off x="646111" y="452718"/>
+            <a:ext cx="10968946" cy="1400530"/>
+          </a:xfrm>
+        </p:spPr>
+        <p:txBody>
+          <a:bodyPr/>
+          <a:lstStyle/>
+          <a:p>
+            <a:r>
+              <a:rPr lang="en-IN" sz="3600" dirty="0"/>
+              <a:t>Optimized Classifier</a:t>
+            </a:r>
+          </a:p>
+        </p:txBody>
+      </p:sp>
+      <p:pic>
+        <p:nvPicPr>
+          <p:cNvPr id="8" name="Picture 7">
+            <a:extLst>
+              <a:ext uri="{FF2B5EF4-FFF2-40B4-BE49-F238E27FC236}">
+                <a16:creationId xmlns:a16="http://schemas.microsoft.com/office/drawing/2014/main" id="{6AD6E349-A785-DB78-CE8C-465E5EA9466B}"/>
+              </a:ext>
+            </a:extLst>
+          </p:cNvPr>
+          <p:cNvPicPr>
+            <a:picLocks noChangeAspect="1"/>
+          </p:cNvPicPr>
+          <p:nvPr/>
+        </p:nvPicPr>
+        <p:blipFill>
+          <a:blip r:embed="rId2"/>
+          <a:stretch>
+            <a:fillRect/>
+          </a:stretch>
+        </p:blipFill>
+        <p:spPr>
+          <a:xfrm>
+            <a:off x="5388429" y="1181670"/>
+            <a:ext cx="6725392" cy="4968760"/>
+          </a:xfrm>
+          <a:prstGeom prst="rect">
+            <a:avLst/>
+          </a:prstGeom>
+        </p:spPr>
+      </p:pic>
+      <p:sp>
+        <p:nvSpPr>
+          <p:cNvPr id="9" name="TextBox 8">
+            <a:extLst>
+              <a:ext uri="{FF2B5EF4-FFF2-40B4-BE49-F238E27FC236}">
+                <a16:creationId xmlns:a16="http://schemas.microsoft.com/office/drawing/2014/main" id="{3203A553-197E-E436-C695-DE92AC864AAC}"/>
+              </a:ext>
+            </a:extLst>
+          </p:cNvPr>
+          <p:cNvSpPr txBox="1"/>
+          <p:nvPr/>
+        </p:nvSpPr>
+        <p:spPr>
+          <a:xfrm>
+            <a:off x="223635" y="1730828"/>
+            <a:ext cx="5404043" cy="3323987"/>
+          </a:xfrm>
+          <a:prstGeom prst="rect">
+            <a:avLst/>
+          </a:prstGeom>
+          <a:noFill/>
+        </p:spPr>
+        <p:txBody>
+          <a:bodyPr wrap="none" rtlCol="0">
+            <a:spAutoFit/>
+          </a:bodyPr>
+          <a:lstStyle/>
+          <a:p>
+            <a:pPr marL="285750" indent="-285750">
+              <a:buFont typeface="Arial" panose="020B0604020202020204" pitchFamily="34" charset="0"/>
+              <a:buChar char="•"/>
+            </a:pPr>
+            <a:r>
+              <a:rPr lang="en-US" dirty="0"/>
+              <a:t>LLMs &amp; fine-tuned models for intent </a:t>
+            </a:r>
+          </a:p>
+          <a:p>
+            <a:r>
+              <a:rPr lang="en-US" dirty="0"/>
+              <a:t>    recognition</a:t>
+            </a:r>
+          </a:p>
+          <a:p>
+            <a:endParaRPr lang="en-US" dirty="0"/>
+          </a:p>
+          <a:p>
+            <a:pPr marL="285750" indent="-285750">
+              <a:buFont typeface="Arial" panose="020B0604020202020204" pitchFamily="34" charset="0"/>
+              <a:buChar char="•"/>
+            </a:pPr>
+            <a:r>
+              <a:rPr lang="en-US" dirty="0"/>
+              <a:t>Classified with local trained model, if</a:t>
+            </a:r>
+          </a:p>
+          <a:p>
+            <a:r>
+              <a:rPr lang="en-US" dirty="0"/>
+              <a:t>    high confidence , local classification is used</a:t>
+            </a:r>
+          </a:p>
+          <a:p>
+            <a:r>
+              <a:rPr lang="en-US" dirty="0"/>
+              <a:t>    To classify email. Avoiding external calls </a:t>
+            </a:r>
+          </a:p>
+          <a:p>
+            <a:r>
+              <a:rPr lang="en-US" dirty="0"/>
+              <a:t>    To commercial LLM models.</a:t>
+            </a:r>
+          </a:p>
+          <a:p>
+            <a:endParaRPr lang="en-US" dirty="0"/>
+          </a:p>
+          <a:p>
+            <a:pPr marL="285750" indent="-285750">
+              <a:buFont typeface="Arial" panose="020B0604020202020204" pitchFamily="34" charset="0"/>
+              <a:buChar char="•"/>
+            </a:pPr>
+            <a:r>
+              <a:rPr lang="en-US" dirty="0"/>
+              <a:t>If classified using external LLMs, classification</a:t>
+            </a:r>
+          </a:p>
+          <a:p>
+            <a:r>
+              <a:rPr lang="en-US" dirty="0"/>
+              <a:t>    Is stored &amp; used in training local model. Thus</a:t>
+            </a:r>
+          </a:p>
+          <a:p>
+            <a:r>
+              <a:rPr lang="en-US" dirty="0"/>
+              <a:t>    Improving local model.</a:t>
+            </a:r>
+          </a:p>
+          <a:p>
+            <a:endParaRPr lang="en-IN" sz="1200" dirty="0"/>
+          </a:p>
+        </p:txBody>
+      </p:sp>
+    </p:spTree>
+    <p:extLst>
+      <p:ext uri="{BB962C8B-B14F-4D97-AF65-F5344CB8AC3E}">
+        <p14:creationId xmlns:p14="http://schemas.microsoft.com/office/powerpoint/2010/main" val="850722927"/>
+      </p:ext>
+    </p:extLst>
+  </p:cSld>
+  <p:clrMapOvr>
+    <a:masterClrMapping/>
+  </p:clrMapOvr>
+</p:sld>
+</file>
+
+<file path=ppt/slides/slide5.xml><?xml version="1.0" encoding="utf-8"?>
+<p:sld xmlns:a="http://schemas.openxmlformats.org/drawingml/2006/main" xmlns:r="http://schemas.openxmlformats.org/officeDocument/2006/relationships" xmlns:p="http://schemas.openxmlformats.org/presentationml/2006/main">
+  <p:cSld>
+    <p:spTree>
+      <p:nvGrpSpPr>
+        <p:cNvPr id="1" name="">
+          <a:extLst>
+            <a:ext uri="{FF2B5EF4-FFF2-40B4-BE49-F238E27FC236}">
+              <a16:creationId xmlns:a16="http://schemas.microsoft.com/office/drawing/2014/main" id="{004C416F-A03A-28D3-052E-590CD1A210C0}"/>
+            </a:ext>
+          </a:extLst>
+        </p:cNvPr>
+        <p:cNvGrpSpPr/>
+        <p:nvPr/>
+      </p:nvGrpSpPr>
+      <p:grpSpPr>
+        <a:xfrm>
+          <a:off x="0" y="0"/>
+          <a:ext cx="0" cy="0"/>
+          <a:chOff x="0" y="0"/>
+          <a:chExt cx="0" cy="0"/>
+        </a:xfrm>
+      </p:grpSpPr>
+      <p:sp>
+        <p:nvSpPr>
+          <p:cNvPr id="2" name="Title 1">
+            <a:extLst>
+              <a:ext uri="{FF2B5EF4-FFF2-40B4-BE49-F238E27FC236}">
+                <a16:creationId xmlns:a16="http://schemas.microsoft.com/office/drawing/2014/main" id="{2009BA9E-ED93-2F5C-2DEC-BFFA15C96006}"/>
+              </a:ext>
+            </a:extLst>
+          </p:cNvPr>
+          <p:cNvSpPr>
+            <a:spLocks noGrp="1"/>
+          </p:cNvSpPr>
+          <p:nvPr>
+            <p:ph type="title"/>
+          </p:nvPr>
+        </p:nvSpPr>
+        <p:spPr>
+          <a:xfrm>
+            <a:off x="646111" y="452718"/>
+            <a:ext cx="10968946" cy="1400530"/>
+          </a:xfrm>
+        </p:spPr>
+        <p:txBody>
+          <a:bodyPr/>
+          <a:lstStyle/>
+          <a:p>
+            <a:r>
+              <a:rPr lang="en-IN" sz="3600" dirty="0"/>
+              <a:t>Enhanced Duplicate handler</a:t>
+            </a:r>
+          </a:p>
+        </p:txBody>
+      </p:sp>
+      <p:pic>
+        <p:nvPicPr>
+          <p:cNvPr id="4" name="Picture 3">
+            <a:extLst>
+              <a:ext uri="{FF2B5EF4-FFF2-40B4-BE49-F238E27FC236}">
+                <a16:creationId xmlns:a16="http://schemas.microsoft.com/office/drawing/2014/main" id="{ED7D2E65-DFBD-A487-EDFC-8D604AC95A81}"/>
+              </a:ext>
+            </a:extLst>
+          </p:cNvPr>
+          <p:cNvPicPr>
+            <a:picLocks noChangeAspect="1"/>
+          </p:cNvPicPr>
+          <p:nvPr/>
+        </p:nvPicPr>
+        <p:blipFill>
+          <a:blip r:embed="rId2"/>
+          <a:stretch>
+            <a:fillRect/>
+          </a:stretch>
+        </p:blipFill>
+        <p:spPr>
+          <a:xfrm>
+            <a:off x="7380514" y="1209071"/>
+            <a:ext cx="4702629" cy="5361031"/>
+          </a:xfrm>
+          <a:prstGeom prst="rect">
+            <a:avLst/>
+          </a:prstGeom>
+        </p:spPr>
+      </p:pic>
+      <p:sp>
+        <p:nvSpPr>
+          <p:cNvPr id="5" name="TextBox 4">
+            <a:extLst>
+              <a:ext uri="{FF2B5EF4-FFF2-40B4-BE49-F238E27FC236}">
+                <a16:creationId xmlns:a16="http://schemas.microsoft.com/office/drawing/2014/main" id="{9BB22759-D437-B4C8-9E76-FA2015C8C938}"/>
+              </a:ext>
+            </a:extLst>
+          </p:cNvPr>
+          <p:cNvSpPr txBox="1"/>
+          <p:nvPr/>
+        </p:nvSpPr>
+        <p:spPr>
+          <a:xfrm>
+            <a:off x="223635" y="1730828"/>
+            <a:ext cx="7362913" cy="3046988"/>
+          </a:xfrm>
+          <a:prstGeom prst="rect">
+            <a:avLst/>
+          </a:prstGeom>
+          <a:noFill/>
+        </p:spPr>
+        <p:txBody>
+          <a:bodyPr wrap="none" rtlCol="0">
+            <a:spAutoFit/>
+          </a:bodyPr>
+          <a:lstStyle/>
+          <a:p>
+            <a:pPr marL="285750" indent="-285750">
+              <a:buFont typeface="Arial" panose="020B0604020202020204" pitchFamily="34" charset="0"/>
+              <a:buChar char="•"/>
+            </a:pPr>
+            <a:r>
+              <a:rPr lang="en-US" dirty="0"/>
+              <a:t>File compared against previous emails (30days), to determine</a:t>
+            </a:r>
+          </a:p>
+          <a:p>
+            <a:r>
+              <a:rPr lang="en-US" dirty="0"/>
+              <a:t>    if file/email is duplicate.</a:t>
+            </a:r>
+          </a:p>
+          <a:p>
+            <a:endParaRPr lang="en-US" dirty="0"/>
+          </a:p>
+          <a:p>
+            <a:pPr marL="285750" indent="-285750">
+              <a:buFont typeface="Arial" panose="020B0604020202020204" pitchFamily="34" charset="0"/>
+              <a:buChar char="•"/>
+            </a:pPr>
+            <a:r>
+              <a:rPr lang="en-US" dirty="0"/>
+              <a:t>If duplicate file/email, file is analyzed to check for changes.</a:t>
+            </a:r>
+          </a:p>
+          <a:p>
+            <a:endParaRPr lang="en-US" dirty="0"/>
+          </a:p>
+          <a:p>
+            <a:pPr marL="285750" indent="-285750">
+              <a:buFont typeface="Arial" panose="020B0604020202020204" pitchFamily="34" charset="0"/>
+              <a:buChar char="•"/>
+            </a:pPr>
+            <a:r>
+              <a:rPr lang="en-US" dirty="0"/>
+              <a:t>Duplicate information details , with intent ; critical changes </a:t>
+            </a:r>
+          </a:p>
+          <a:p>
+            <a:r>
+              <a:rPr lang="en-US" dirty="0"/>
+              <a:t>    if any is returned for easy handling of duplicate data.</a:t>
+            </a:r>
+          </a:p>
+          <a:p>
+            <a:endParaRPr lang="en-US" dirty="0"/>
+          </a:p>
+          <a:p>
+            <a:r>
+              <a:rPr lang="en-US" dirty="0" err="1"/>
+              <a:t>Eg</a:t>
+            </a:r>
+            <a:r>
+              <a:rPr lang="en-US" dirty="0"/>
+              <a:t>: A thank you email, is classified </a:t>
+            </a:r>
+            <a:r>
+              <a:rPr lang="en-US"/>
+              <a:t>as </a:t>
+            </a:r>
+            <a:endParaRPr lang="en-US" dirty="0"/>
+          </a:p>
+          <a:p>
+            <a:r>
+              <a:rPr lang="en-US"/>
+              <a:t>not-important</a:t>
+            </a:r>
+            <a:r>
+              <a:rPr lang="en-US" dirty="0"/>
+              <a:t> changes and with intent as thank you</a:t>
+            </a:r>
+          </a:p>
+          <a:p>
+            <a:endParaRPr lang="en-IN" sz="1200" dirty="0"/>
+          </a:p>
+        </p:txBody>
+      </p:sp>
+      <p:sp>
+        <p:nvSpPr>
+          <p:cNvPr id="6" name="TextBox 5">
+            <a:extLst>
+              <a:ext uri="{FF2B5EF4-FFF2-40B4-BE49-F238E27FC236}">
+                <a16:creationId xmlns:a16="http://schemas.microsoft.com/office/drawing/2014/main" id="{763E9750-EAB0-2834-B9F9-01AD7ABD20DF}"/>
+              </a:ext>
+            </a:extLst>
+          </p:cNvPr>
+          <p:cNvSpPr txBox="1"/>
+          <p:nvPr/>
+        </p:nvSpPr>
+        <p:spPr>
+          <a:xfrm>
+            <a:off x="223635" y="5732760"/>
+            <a:ext cx="6743222" cy="261610"/>
+          </a:xfrm>
+          <a:prstGeom prst="rect">
+            <a:avLst/>
+          </a:prstGeom>
+          <a:noFill/>
+        </p:spPr>
+        <p:txBody>
+          <a:bodyPr wrap="square" rtlCol="0">
+            <a:spAutoFit/>
+          </a:bodyPr>
+          <a:lstStyle/>
+          <a:p>
+            <a:r>
+              <a:rPr lang="en-IN" sz="1100" dirty="0"/>
+              <a:t>*Previous email classification is stored for 30days  and </a:t>
+            </a:r>
+            <a:r>
+              <a:rPr lang="en-IN" sz="1100"/>
+              <a:t>is cleaned up </a:t>
+            </a:r>
+            <a:r>
+              <a:rPr lang="en-IN" sz="1100" dirty="0"/>
+              <a:t>via a scheduled job</a:t>
+            </a:r>
+          </a:p>
+        </p:txBody>
+      </p:sp>
+    </p:spTree>
+    <p:extLst>
+      <p:ext uri="{BB962C8B-B14F-4D97-AF65-F5344CB8AC3E}">
+        <p14:creationId xmlns:p14="http://schemas.microsoft.com/office/powerpoint/2010/main" val="3826387115"/>
       </p:ext>
     </p:extLst>
   </p:cSld>
